--- a/pptx/Streaming Events with Azure IoT Hub.pptx
+++ b/pptx/Streaming Events with Azure IoT Hub.pptx
@@ -5,36 +5,37 @@
     <p:sldMasterId id="2147483660" r:id="rId4"/>
   </p:sldMasterIdLst>
   <p:notesMasterIdLst>
-    <p:notesMasterId r:id="rId29"/>
+    <p:notesMasterId r:id="rId30"/>
   </p:notesMasterIdLst>
   <p:handoutMasterIdLst>
-    <p:handoutMasterId r:id="rId30"/>
+    <p:handoutMasterId r:id="rId31"/>
   </p:handoutMasterIdLst>
   <p:sldIdLst>
     <p:sldId id="314" r:id="rId5"/>
     <p:sldId id="256" r:id="rId6"/>
     <p:sldId id="315" r:id="rId7"/>
-    <p:sldId id="317" r:id="rId8"/>
-    <p:sldId id="318" r:id="rId9"/>
-    <p:sldId id="319" r:id="rId10"/>
-    <p:sldId id="320" r:id="rId11"/>
-    <p:sldId id="321" r:id="rId12"/>
-    <p:sldId id="322" r:id="rId13"/>
-    <p:sldId id="323" r:id="rId14"/>
-    <p:sldId id="324" r:id="rId15"/>
-    <p:sldId id="325" r:id="rId16"/>
-    <p:sldId id="326" r:id="rId17"/>
-    <p:sldId id="327" r:id="rId18"/>
-    <p:sldId id="328" r:id="rId19"/>
-    <p:sldId id="341" r:id="rId20"/>
-    <p:sldId id="342" r:id="rId21"/>
-    <p:sldId id="334" r:id="rId22"/>
-    <p:sldId id="335" r:id="rId23"/>
-    <p:sldId id="336" r:id="rId24"/>
-    <p:sldId id="337" r:id="rId25"/>
-    <p:sldId id="338" r:id="rId26"/>
-    <p:sldId id="339" r:id="rId27"/>
-    <p:sldId id="340" r:id="rId28"/>
+    <p:sldId id="343" r:id="rId8"/>
+    <p:sldId id="317" r:id="rId9"/>
+    <p:sldId id="318" r:id="rId10"/>
+    <p:sldId id="319" r:id="rId11"/>
+    <p:sldId id="320" r:id="rId12"/>
+    <p:sldId id="321" r:id="rId13"/>
+    <p:sldId id="322" r:id="rId14"/>
+    <p:sldId id="323" r:id="rId15"/>
+    <p:sldId id="324" r:id="rId16"/>
+    <p:sldId id="325" r:id="rId17"/>
+    <p:sldId id="326" r:id="rId18"/>
+    <p:sldId id="327" r:id="rId19"/>
+    <p:sldId id="328" r:id="rId20"/>
+    <p:sldId id="341" r:id="rId21"/>
+    <p:sldId id="342" r:id="rId22"/>
+    <p:sldId id="334" r:id="rId23"/>
+    <p:sldId id="335" r:id="rId24"/>
+    <p:sldId id="336" r:id="rId25"/>
+    <p:sldId id="337" r:id="rId26"/>
+    <p:sldId id="338" r:id="rId27"/>
+    <p:sldId id="339" r:id="rId28"/>
+    <p:sldId id="340" r:id="rId29"/>
   </p:sldIdLst>
   <p:sldSz cx="12192000" cy="6858000"/>
   <p:notesSz cx="7102475" cy="9388475"/>
@@ -145,6 +146,7 @@
           <p14:sldIdLst>
             <p14:sldId id="256"/>
             <p14:sldId id="315"/>
+            <p14:sldId id="343"/>
             <p14:sldId id="317"/>
             <p14:sldId id="318"/>
             <p14:sldId id="319"/>
@@ -967,11 +969,7 @@
         <a:p>
           <a:r>
             <a:rPr lang="en-US" dirty="0" smtClean="0"/>
-            <a:t>Bi-Directional </a:t>
-          </a:r>
-          <a:r>
-            <a:rPr lang="en-US" dirty="0" smtClean="0"/>
-            <a:t>Communication</a:t>
+            <a:t>Bi-Directional Communication</a:t>
           </a:r>
           <a:endParaRPr lang="en-US" dirty="0"/>
         </a:p>
@@ -1252,22 +1250,22 @@
     </dgm:pt>
   </dgm:ptLst>
   <dgm:cxnLst>
+    <dgm:cxn modelId="{CCDDAEF1-1F92-4D40-BE8C-809D70293E39}" type="presOf" srcId="{D7028E2F-9760-4E5A-992C-B685CDD356B5}" destId="{E86077C0-2F48-4346-BB18-D271BCDBFCCD}" srcOrd="0" destOrd="0" presId="urn:microsoft.com/office/officeart/2005/8/layout/cycle6"/>
+    <dgm:cxn modelId="{BF0BB65C-DB07-42A4-AA87-54AAA0FE6B2C}" type="presOf" srcId="{F5489775-55C2-4D94-AFD3-F80D90F1BB9C}" destId="{69D6CB69-A856-4E37-8A0B-DA4A28DC9844}" srcOrd="0" destOrd="0" presId="urn:microsoft.com/office/officeart/2005/8/layout/cycle6"/>
+    <dgm:cxn modelId="{B6D62C34-4BB8-4733-BBB5-79706A5B2755}" type="presOf" srcId="{A9F125D0-D63D-4D7E-A61D-1215343768F1}" destId="{7AA110A8-2934-44AC-A2E0-EF44B39D4FC8}" srcOrd="0" destOrd="0" presId="urn:microsoft.com/office/officeart/2005/8/layout/cycle6"/>
+    <dgm:cxn modelId="{922C377A-4754-49EE-B7B4-ACD2F4237FA7}" type="presOf" srcId="{A5FB21D7-0518-4F2D-8F52-27F92B9B2B84}" destId="{57185F19-043D-4EE1-9295-008128CD0A7B}" srcOrd="0" destOrd="0" presId="urn:microsoft.com/office/officeart/2005/8/layout/cycle6"/>
+    <dgm:cxn modelId="{B5C8820F-5968-41A8-9570-94BC39AF9547}" type="presOf" srcId="{8EB64EDD-73E5-491B-94DE-04DEB57CA750}" destId="{E5A66BAB-73E3-4F52-B0AA-489883177CA6}" srcOrd="0" destOrd="0" presId="urn:microsoft.com/office/officeart/2005/8/layout/cycle6"/>
+    <dgm:cxn modelId="{1AAF79BF-451D-4F60-824F-8135A81681D7}" type="presOf" srcId="{AA237151-8201-40E6-B734-3D6C9CC96356}" destId="{A653242B-ADB0-487B-BD28-2FADAD2FE010}" srcOrd="0" destOrd="0" presId="urn:microsoft.com/office/officeart/2005/8/layout/cycle6"/>
     <dgm:cxn modelId="{A127A389-56D3-40E3-B6B9-DF776FD5F93F}" type="presOf" srcId="{97761C38-9525-4DDE-918B-0E9058504FFA}" destId="{B852E4E0-5A6F-494D-9F34-39E0DF218D66}" srcOrd="0" destOrd="0" presId="urn:microsoft.com/office/officeart/2005/8/layout/cycle6"/>
-    <dgm:cxn modelId="{922C377A-4754-49EE-B7B4-ACD2F4237FA7}" type="presOf" srcId="{A5FB21D7-0518-4F2D-8F52-27F92B9B2B84}" destId="{57185F19-043D-4EE1-9295-008128CD0A7B}" srcOrd="0" destOrd="0" presId="urn:microsoft.com/office/officeart/2005/8/layout/cycle6"/>
     <dgm:cxn modelId="{4D913978-8D86-4088-BB9A-89F0557ED08F}" srcId="{A5FB21D7-0518-4F2D-8F52-27F92B9B2B84}" destId="{039893D2-C3A8-498C-A3F3-3C917FADBEF0}" srcOrd="3" destOrd="0" parTransId="{CF6E2119-C191-433D-8784-A43F8A8F48BF}" sibTransId="{B88250D0-67D6-4976-A80B-178925039777}"/>
-    <dgm:cxn modelId="{B6D62C34-4BB8-4733-BBB5-79706A5B2755}" type="presOf" srcId="{A9F125D0-D63D-4D7E-A61D-1215343768F1}" destId="{7AA110A8-2934-44AC-A2E0-EF44B39D4FC8}" srcOrd="0" destOrd="0" presId="urn:microsoft.com/office/officeart/2005/8/layout/cycle6"/>
     <dgm:cxn modelId="{85D220D8-2628-4234-811B-E7AB403F2FEA}" srcId="{A5FB21D7-0518-4F2D-8F52-27F92B9B2B84}" destId="{212DBBB7-AC7E-40AF-B82F-D39FC5A36807}" srcOrd="0" destOrd="0" parTransId="{CDD48955-905D-47F3-A828-7ED5A9C41A08}" sibTransId="{F5489775-55C2-4D94-AFD3-F80D90F1BB9C}"/>
+    <dgm:cxn modelId="{00755C54-F730-4AA1-83B7-B1202AE7320A}" type="presOf" srcId="{039893D2-C3A8-498C-A3F3-3C917FADBEF0}" destId="{ADB703A0-869E-4DB2-BC07-2ADFA9C71D1C}" srcOrd="0" destOrd="0" presId="urn:microsoft.com/office/officeart/2005/8/layout/cycle6"/>
+    <dgm:cxn modelId="{6A39425A-16EA-4250-83AE-F698BE93457D}" type="presOf" srcId="{AA773A29-763E-4492-B2BF-0092CFC44928}" destId="{67D57939-E07C-454F-9AD1-2D32B6D6485F}" srcOrd="0" destOrd="0" presId="urn:microsoft.com/office/officeart/2005/8/layout/cycle6"/>
+    <dgm:cxn modelId="{A99959DB-3C9E-46B8-AD52-9E3D37CA0D14}" srcId="{A5FB21D7-0518-4F2D-8F52-27F92B9B2B84}" destId="{AA773A29-763E-4492-B2BF-0092CFC44928}" srcOrd="2" destOrd="0" parTransId="{659E30B4-3E88-4A40-85E2-5A13B08A55FA}" sibTransId="{8EB64EDD-73E5-491B-94DE-04DEB57CA750}"/>
+    <dgm:cxn modelId="{5A928259-D7CF-4D09-B672-AF088029343C}" srcId="{A5FB21D7-0518-4F2D-8F52-27F92B9B2B84}" destId="{AA237151-8201-40E6-B734-3D6C9CC96356}" srcOrd="4" destOrd="0" parTransId="{82257D58-8EE3-415B-A23B-4ABA6D93A34F}" sibTransId="{97761C38-9525-4DDE-918B-0E9058504FFA}"/>
     <dgm:cxn modelId="{F221587E-C769-4CB9-A8AC-57162BF2617D}" type="presOf" srcId="{212DBBB7-AC7E-40AF-B82F-D39FC5A36807}" destId="{4A26BF3B-7664-48EA-9DA9-19A0396E9283}" srcOrd="0" destOrd="0" presId="urn:microsoft.com/office/officeart/2005/8/layout/cycle6"/>
-    <dgm:cxn modelId="{B5C8820F-5968-41A8-9570-94BC39AF9547}" type="presOf" srcId="{8EB64EDD-73E5-491B-94DE-04DEB57CA750}" destId="{E5A66BAB-73E3-4F52-B0AA-489883177CA6}" srcOrd="0" destOrd="0" presId="urn:microsoft.com/office/officeart/2005/8/layout/cycle6"/>
-    <dgm:cxn modelId="{A99959DB-3C9E-46B8-AD52-9E3D37CA0D14}" srcId="{A5FB21D7-0518-4F2D-8F52-27F92B9B2B84}" destId="{AA773A29-763E-4492-B2BF-0092CFC44928}" srcOrd="2" destOrd="0" parTransId="{659E30B4-3E88-4A40-85E2-5A13B08A55FA}" sibTransId="{8EB64EDD-73E5-491B-94DE-04DEB57CA750}"/>
+    <dgm:cxn modelId="{1EE4EB8B-5A04-431D-A94F-21BBBDF6B167}" type="presOf" srcId="{B88250D0-67D6-4976-A80B-178925039777}" destId="{056CC646-5754-44E5-A0A1-6D8A696A105F}" srcOrd="0" destOrd="0" presId="urn:microsoft.com/office/officeart/2005/8/layout/cycle6"/>
     <dgm:cxn modelId="{D1F44E4B-989B-429C-979B-2A4784A3454A}" srcId="{A5FB21D7-0518-4F2D-8F52-27F92B9B2B84}" destId="{A9F125D0-D63D-4D7E-A61D-1215343768F1}" srcOrd="1" destOrd="0" parTransId="{04E8BA85-A26D-477A-BA1B-80294D126F4B}" sibTransId="{D7028E2F-9760-4E5A-992C-B685CDD356B5}"/>
-    <dgm:cxn modelId="{BF0BB65C-DB07-42A4-AA87-54AAA0FE6B2C}" type="presOf" srcId="{F5489775-55C2-4D94-AFD3-F80D90F1BB9C}" destId="{69D6CB69-A856-4E37-8A0B-DA4A28DC9844}" srcOrd="0" destOrd="0" presId="urn:microsoft.com/office/officeart/2005/8/layout/cycle6"/>
-    <dgm:cxn modelId="{1EE4EB8B-5A04-431D-A94F-21BBBDF6B167}" type="presOf" srcId="{B88250D0-67D6-4976-A80B-178925039777}" destId="{056CC646-5754-44E5-A0A1-6D8A696A105F}" srcOrd="0" destOrd="0" presId="urn:microsoft.com/office/officeart/2005/8/layout/cycle6"/>
-    <dgm:cxn modelId="{6A39425A-16EA-4250-83AE-F698BE93457D}" type="presOf" srcId="{AA773A29-763E-4492-B2BF-0092CFC44928}" destId="{67D57939-E07C-454F-9AD1-2D32B6D6485F}" srcOrd="0" destOrd="0" presId="urn:microsoft.com/office/officeart/2005/8/layout/cycle6"/>
-    <dgm:cxn modelId="{00755C54-F730-4AA1-83B7-B1202AE7320A}" type="presOf" srcId="{039893D2-C3A8-498C-A3F3-3C917FADBEF0}" destId="{ADB703A0-869E-4DB2-BC07-2ADFA9C71D1C}" srcOrd="0" destOrd="0" presId="urn:microsoft.com/office/officeart/2005/8/layout/cycle6"/>
-    <dgm:cxn modelId="{CCDDAEF1-1F92-4D40-BE8C-809D70293E39}" type="presOf" srcId="{D7028E2F-9760-4E5A-992C-B685CDD356B5}" destId="{E86077C0-2F48-4346-BB18-D271BCDBFCCD}" srcOrd="0" destOrd="0" presId="urn:microsoft.com/office/officeart/2005/8/layout/cycle6"/>
-    <dgm:cxn modelId="{5A928259-D7CF-4D09-B672-AF088029343C}" srcId="{A5FB21D7-0518-4F2D-8F52-27F92B9B2B84}" destId="{AA237151-8201-40E6-B734-3D6C9CC96356}" srcOrd="4" destOrd="0" parTransId="{82257D58-8EE3-415B-A23B-4ABA6D93A34F}" sibTransId="{97761C38-9525-4DDE-918B-0E9058504FFA}"/>
-    <dgm:cxn modelId="{1AAF79BF-451D-4F60-824F-8135A81681D7}" type="presOf" srcId="{AA237151-8201-40E6-B734-3D6C9CC96356}" destId="{A653242B-ADB0-487B-BD28-2FADAD2FE010}" srcOrd="0" destOrd="0" presId="urn:microsoft.com/office/officeart/2005/8/layout/cycle6"/>
     <dgm:cxn modelId="{4F4282C9-C41A-40C4-8299-AE1A3B16B908}" type="presParOf" srcId="{57185F19-043D-4EE1-9295-008128CD0A7B}" destId="{4A26BF3B-7664-48EA-9DA9-19A0396E9283}" srcOrd="0" destOrd="0" presId="urn:microsoft.com/office/officeart/2005/8/layout/cycle6"/>
     <dgm:cxn modelId="{5E6C1A4D-8D11-4604-8629-3126B24943AF}" type="presParOf" srcId="{57185F19-043D-4EE1-9295-008128CD0A7B}" destId="{432A8362-7CB6-4E39-B57C-0737BEC894B1}" srcOrd="1" destOrd="0" presId="urn:microsoft.com/office/officeart/2005/8/layout/cycle6"/>
     <dgm:cxn modelId="{9B96FB39-DE41-4E4A-B98E-9E487E99DB3E}" type="presParOf" srcId="{57185F19-043D-4EE1-9295-008128CD0A7B}" destId="{69D6CB69-A856-4E37-8A0B-DA4A28DC9844}" srcOrd="2" destOrd="0" presId="urn:microsoft.com/office/officeart/2005/8/layout/cycle6"/>
@@ -1302,665 +1300,6 @@
       <dsp:cNvGrpSpPr/>
     </dsp:nvGrpSpPr>
     <dsp:grpSpPr/>
-    <dsp:sp modelId="{4A26BF3B-7664-48EA-9DA9-19A0396E9283}">
-      <dsp:nvSpPr>
-        <dsp:cNvPr id="0" name=""/>
-        <dsp:cNvSpPr/>
-      </dsp:nvSpPr>
-      <dsp:spPr>
-        <a:xfrm>
-          <a:off x="2852676" y="2293"/>
-          <a:ext cx="1648053" cy="1071234"/>
-        </a:xfrm>
-        <a:prstGeom prst="roundRect">
-          <a:avLst/>
-        </a:prstGeom>
-        <a:solidFill>
-          <a:schemeClr val="accent1">
-            <a:hueOff val="0"/>
-            <a:satOff val="0"/>
-            <a:lumOff val="0"/>
-            <a:alphaOff val="0"/>
-          </a:schemeClr>
-        </a:solidFill>
-        <a:ln w="12700" cap="flat" cmpd="sng" algn="ctr">
-          <a:solidFill>
-            <a:schemeClr val="lt1">
-              <a:hueOff val="0"/>
-              <a:satOff val="0"/>
-              <a:lumOff val="0"/>
-              <a:alphaOff val="0"/>
-            </a:schemeClr>
-          </a:solidFill>
-          <a:prstDash val="solid"/>
-          <a:miter lim="800000"/>
-        </a:ln>
-        <a:effectLst/>
-      </dsp:spPr>
-      <dsp:style>
-        <a:lnRef idx="2">
-          <a:scrgbClr r="0" g="0" b="0"/>
-        </a:lnRef>
-        <a:fillRef idx="1">
-          <a:scrgbClr r="0" g="0" b="0"/>
-        </a:fillRef>
-        <a:effectRef idx="0">
-          <a:scrgbClr r="0" g="0" b="0"/>
-        </a:effectRef>
-        <a:fontRef idx="minor">
-          <a:schemeClr val="lt1"/>
-        </a:fontRef>
-      </dsp:style>
-      <dsp:txBody>
-        <a:bodyPr spcFirstLastPara="0" vert="horz" wrap="square" lIns="57150" tIns="57150" rIns="57150" bIns="57150" numCol="1" spcCol="1270" anchor="ctr" anchorCtr="0">
-          <a:noAutofit/>
-        </a:bodyPr>
-        <a:lstStyle/>
-        <a:p>
-          <a:pPr lvl="0" algn="ctr" defTabSz="666750">
-            <a:lnSpc>
-              <a:spcPct val="90000"/>
-            </a:lnSpc>
-            <a:spcBef>
-              <a:spcPct val="0"/>
-            </a:spcBef>
-            <a:spcAft>
-              <a:spcPct val="35000"/>
-            </a:spcAft>
-          </a:pPr>
-          <a:r>
-            <a:rPr lang="en-US" sz="1500" kern="1200" dirty="0" smtClean="0"/>
-            <a:t>Per-Device Authentication</a:t>
-          </a:r>
-          <a:endParaRPr lang="en-US" sz="1500" kern="1200" dirty="0"/>
-        </a:p>
-      </dsp:txBody>
-      <dsp:txXfrm>
-        <a:off x="2904969" y="54586"/>
-        <a:ext cx="1543467" cy="966648"/>
-      </dsp:txXfrm>
-    </dsp:sp>
-    <dsp:sp modelId="{69D6CB69-A856-4E37-8A0B-DA4A28DC9844}">
-      <dsp:nvSpPr>
-        <dsp:cNvPr id="0" name=""/>
-        <dsp:cNvSpPr/>
-      </dsp:nvSpPr>
-      <dsp:spPr>
-        <a:xfrm>
-          <a:off x="1537635" y="537910"/>
-          <a:ext cx="4278136" cy="4278136"/>
-        </a:xfrm>
-        <a:custGeom>
-          <a:avLst/>
-          <a:gdLst/>
-          <a:ahLst/>
-          <a:cxnLst/>
-          <a:rect l="0" t="0" r="0" b="0"/>
-          <a:pathLst>
-            <a:path>
-              <a:moveTo>
-                <a:pt x="2974402" y="169847"/>
-              </a:moveTo>
-              <a:arcTo wR="2139068" hR="2139068" stAng="17579185" swAng="1960180"/>
-            </a:path>
-          </a:pathLst>
-        </a:custGeom>
-        <a:noFill/>
-        <a:ln w="6350" cap="flat" cmpd="sng" algn="ctr">
-          <a:solidFill>
-            <a:schemeClr val="accent1">
-              <a:hueOff val="0"/>
-              <a:satOff val="0"/>
-              <a:lumOff val="0"/>
-              <a:alphaOff val="0"/>
-            </a:schemeClr>
-          </a:solidFill>
-          <a:prstDash val="solid"/>
-          <a:miter lim="800000"/>
-        </a:ln>
-        <a:effectLst/>
-      </dsp:spPr>
-      <dsp:style>
-        <a:lnRef idx="1">
-          <a:scrgbClr r="0" g="0" b="0"/>
-        </a:lnRef>
-        <a:fillRef idx="0">
-          <a:scrgbClr r="0" g="0" b="0"/>
-        </a:fillRef>
-        <a:effectRef idx="0">
-          <a:scrgbClr r="0" g="0" b="0"/>
-        </a:effectRef>
-        <a:fontRef idx="minor"/>
-      </dsp:style>
-    </dsp:sp>
-    <dsp:sp modelId="{7AA110A8-2934-44AC-A2E0-EF44B39D4FC8}">
-      <dsp:nvSpPr>
-        <dsp:cNvPr id="0" name=""/>
-        <dsp:cNvSpPr/>
-      </dsp:nvSpPr>
-      <dsp:spPr>
-        <a:xfrm>
-          <a:off x="4887051" y="1480353"/>
-          <a:ext cx="1648053" cy="1071234"/>
-        </a:xfrm>
-        <a:prstGeom prst="roundRect">
-          <a:avLst/>
-        </a:prstGeom>
-        <a:solidFill>
-          <a:schemeClr val="accent1">
-            <a:hueOff val="0"/>
-            <a:satOff val="0"/>
-            <a:lumOff val="0"/>
-            <a:alphaOff val="0"/>
-          </a:schemeClr>
-        </a:solidFill>
-        <a:ln w="12700" cap="flat" cmpd="sng" algn="ctr">
-          <a:solidFill>
-            <a:schemeClr val="lt1">
-              <a:hueOff val="0"/>
-              <a:satOff val="0"/>
-              <a:lumOff val="0"/>
-              <a:alphaOff val="0"/>
-            </a:schemeClr>
-          </a:solidFill>
-          <a:prstDash val="solid"/>
-          <a:miter lim="800000"/>
-        </a:ln>
-        <a:effectLst/>
-      </dsp:spPr>
-      <dsp:style>
-        <a:lnRef idx="2">
-          <a:scrgbClr r="0" g="0" b="0"/>
-        </a:lnRef>
-        <a:fillRef idx="1">
-          <a:scrgbClr r="0" g="0" b="0"/>
-        </a:fillRef>
-        <a:effectRef idx="0">
-          <a:scrgbClr r="0" g="0" b="0"/>
-        </a:effectRef>
-        <a:fontRef idx="minor">
-          <a:schemeClr val="lt1"/>
-        </a:fontRef>
-      </dsp:style>
-      <dsp:txBody>
-        <a:bodyPr spcFirstLastPara="0" vert="horz" wrap="square" lIns="57150" tIns="57150" rIns="57150" bIns="57150" numCol="1" spcCol="1270" anchor="ctr" anchorCtr="0">
-          <a:noAutofit/>
-        </a:bodyPr>
-        <a:lstStyle/>
-        <a:p>
-          <a:pPr lvl="0" algn="ctr" defTabSz="666750">
-            <a:lnSpc>
-              <a:spcPct val="90000"/>
-            </a:lnSpc>
-            <a:spcBef>
-              <a:spcPct val="0"/>
-            </a:spcBef>
-            <a:spcAft>
-              <a:spcPct val="35000"/>
-            </a:spcAft>
-          </a:pPr>
-          <a:r>
-            <a:rPr lang="en-US" sz="1500" kern="1200" dirty="0" smtClean="0"/>
-            <a:t>Bi-Directional </a:t>
-          </a:r>
-          <a:r>
-            <a:rPr lang="en-US" sz="1500" kern="1200" dirty="0" smtClean="0"/>
-            <a:t>Communication</a:t>
-          </a:r>
-          <a:endParaRPr lang="en-US" sz="1500" kern="1200" dirty="0"/>
-        </a:p>
-      </dsp:txBody>
-      <dsp:txXfrm>
-        <a:off x="4939344" y="1532646"/>
-        <a:ext cx="1543467" cy="966648"/>
-      </dsp:txXfrm>
-    </dsp:sp>
-    <dsp:sp modelId="{E86077C0-2F48-4346-BB18-D271BCDBFCCD}">
-      <dsp:nvSpPr>
-        <dsp:cNvPr id="0" name=""/>
-        <dsp:cNvSpPr/>
-      </dsp:nvSpPr>
-      <dsp:spPr>
-        <a:xfrm>
-          <a:off x="1537635" y="537910"/>
-          <a:ext cx="4278136" cy="4278136"/>
-        </a:xfrm>
-        <a:custGeom>
-          <a:avLst/>
-          <a:gdLst/>
-          <a:ahLst/>
-          <a:cxnLst/>
-          <a:rect l="0" t="0" r="0" b="0"/>
-          <a:pathLst>
-            <a:path>
-              <a:moveTo>
-                <a:pt x="4275216" y="2027344"/>
-              </a:moveTo>
-              <a:arcTo wR="2139068" hR="2139068" stAng="21420364" swAng="2195259"/>
-            </a:path>
-          </a:pathLst>
-        </a:custGeom>
-        <a:noFill/>
-        <a:ln w="6350" cap="flat" cmpd="sng" algn="ctr">
-          <a:solidFill>
-            <a:schemeClr val="accent1">
-              <a:hueOff val="0"/>
-              <a:satOff val="0"/>
-              <a:lumOff val="0"/>
-              <a:alphaOff val="0"/>
-            </a:schemeClr>
-          </a:solidFill>
-          <a:prstDash val="solid"/>
-          <a:miter lim="800000"/>
-        </a:ln>
-        <a:effectLst/>
-      </dsp:spPr>
-      <dsp:style>
-        <a:lnRef idx="1">
-          <a:scrgbClr r="0" g="0" b="0"/>
-        </a:lnRef>
-        <a:fillRef idx="0">
-          <a:scrgbClr r="0" g="0" b="0"/>
-        </a:fillRef>
-        <a:effectRef idx="0">
-          <a:scrgbClr r="0" g="0" b="0"/>
-        </a:effectRef>
-        <a:fontRef idx="minor"/>
-      </dsp:style>
-    </dsp:sp>
-    <dsp:sp modelId="{67D57939-E07C-454F-9AD1-2D32B6D6485F}">
-      <dsp:nvSpPr>
-        <dsp:cNvPr id="0" name=""/>
-        <dsp:cNvSpPr/>
-      </dsp:nvSpPr>
-      <dsp:spPr>
-        <a:xfrm>
-          <a:off x="4109989" y="3871904"/>
-          <a:ext cx="1648053" cy="1071234"/>
-        </a:xfrm>
-        <a:prstGeom prst="roundRect">
-          <a:avLst/>
-        </a:prstGeom>
-        <a:solidFill>
-          <a:schemeClr val="accent1">
-            <a:hueOff val="0"/>
-            <a:satOff val="0"/>
-            <a:lumOff val="0"/>
-            <a:alphaOff val="0"/>
-          </a:schemeClr>
-        </a:solidFill>
-        <a:ln w="12700" cap="flat" cmpd="sng" algn="ctr">
-          <a:solidFill>
-            <a:schemeClr val="lt1">
-              <a:hueOff val="0"/>
-              <a:satOff val="0"/>
-              <a:lumOff val="0"/>
-              <a:alphaOff val="0"/>
-            </a:schemeClr>
-          </a:solidFill>
-          <a:prstDash val="solid"/>
-          <a:miter lim="800000"/>
-        </a:ln>
-        <a:effectLst/>
-      </dsp:spPr>
-      <dsp:style>
-        <a:lnRef idx="2">
-          <a:scrgbClr r="0" g="0" b="0"/>
-        </a:lnRef>
-        <a:fillRef idx="1">
-          <a:scrgbClr r="0" g="0" b="0"/>
-        </a:fillRef>
-        <a:effectRef idx="0">
-          <a:scrgbClr r="0" g="0" b="0"/>
-        </a:effectRef>
-        <a:fontRef idx="minor">
-          <a:schemeClr val="lt1"/>
-        </a:fontRef>
-      </dsp:style>
-      <dsp:txBody>
-        <a:bodyPr spcFirstLastPara="0" vert="horz" wrap="square" lIns="57150" tIns="57150" rIns="57150" bIns="57150" numCol="1" spcCol="1270" anchor="ctr" anchorCtr="0">
-          <a:noAutofit/>
-        </a:bodyPr>
-        <a:lstStyle/>
-        <a:p>
-          <a:pPr lvl="0" algn="ctr" defTabSz="666750">
-            <a:lnSpc>
-              <a:spcPct val="90000"/>
-            </a:lnSpc>
-            <a:spcBef>
-              <a:spcPct val="0"/>
-            </a:spcBef>
-            <a:spcAft>
-              <a:spcPct val="35000"/>
-            </a:spcAft>
-          </a:pPr>
-          <a:r>
-            <a:rPr lang="en-US" sz="1500" kern="1200" dirty="0" smtClean="0"/>
-            <a:t>Multi-Platform Support</a:t>
-          </a:r>
-          <a:endParaRPr lang="en-US" sz="1500" kern="1200" dirty="0"/>
-        </a:p>
-      </dsp:txBody>
-      <dsp:txXfrm>
-        <a:off x="4162282" y="3924197"/>
-        <a:ext cx="1543467" cy="966648"/>
-      </dsp:txXfrm>
-    </dsp:sp>
-    <dsp:sp modelId="{E5A66BAB-73E3-4F52-B0AA-489883177CA6}">
-      <dsp:nvSpPr>
-        <dsp:cNvPr id="0" name=""/>
-        <dsp:cNvSpPr/>
-      </dsp:nvSpPr>
-      <dsp:spPr>
-        <a:xfrm>
-          <a:off x="1537635" y="537910"/>
-          <a:ext cx="4278136" cy="4278136"/>
-        </a:xfrm>
-        <a:custGeom>
-          <a:avLst/>
-          <a:gdLst/>
-          <a:ahLst/>
-          <a:cxnLst/>
-          <a:rect l="0" t="0" r="0" b="0"/>
-          <a:pathLst>
-            <a:path>
-              <a:moveTo>
-                <a:pt x="2563864" y="4235531"/>
-              </a:moveTo>
-              <a:arcTo wR="2139068" hR="2139068" stAng="4712731" swAng="1374538"/>
-            </a:path>
-          </a:pathLst>
-        </a:custGeom>
-        <a:noFill/>
-        <a:ln w="6350" cap="flat" cmpd="sng" algn="ctr">
-          <a:solidFill>
-            <a:schemeClr val="accent1">
-              <a:hueOff val="0"/>
-              <a:satOff val="0"/>
-              <a:lumOff val="0"/>
-              <a:alphaOff val="0"/>
-            </a:schemeClr>
-          </a:solidFill>
-          <a:prstDash val="solid"/>
-          <a:miter lim="800000"/>
-        </a:ln>
-        <a:effectLst/>
-      </dsp:spPr>
-      <dsp:style>
-        <a:lnRef idx="1">
-          <a:scrgbClr r="0" g="0" b="0"/>
-        </a:lnRef>
-        <a:fillRef idx="0">
-          <a:scrgbClr r="0" g="0" b="0"/>
-        </a:fillRef>
-        <a:effectRef idx="0">
-          <a:scrgbClr r="0" g="0" b="0"/>
-        </a:effectRef>
-        <a:fontRef idx="minor"/>
-      </dsp:style>
-    </dsp:sp>
-    <dsp:sp modelId="{ADB703A0-869E-4DB2-BC07-2ADFA9C71D1C}">
-      <dsp:nvSpPr>
-        <dsp:cNvPr id="0" name=""/>
-        <dsp:cNvSpPr/>
-      </dsp:nvSpPr>
-      <dsp:spPr>
-        <a:xfrm>
-          <a:off x="1595364" y="3871904"/>
-          <a:ext cx="1648053" cy="1071234"/>
-        </a:xfrm>
-        <a:prstGeom prst="roundRect">
-          <a:avLst/>
-        </a:prstGeom>
-        <a:solidFill>
-          <a:schemeClr val="accent1">
-            <a:hueOff val="0"/>
-            <a:satOff val="0"/>
-            <a:lumOff val="0"/>
-            <a:alphaOff val="0"/>
-          </a:schemeClr>
-        </a:solidFill>
-        <a:ln w="12700" cap="flat" cmpd="sng" algn="ctr">
-          <a:solidFill>
-            <a:schemeClr val="lt1">
-              <a:hueOff val="0"/>
-              <a:satOff val="0"/>
-              <a:lumOff val="0"/>
-              <a:alphaOff val="0"/>
-            </a:schemeClr>
-          </a:solidFill>
-          <a:prstDash val="solid"/>
-          <a:miter lim="800000"/>
-        </a:ln>
-        <a:effectLst/>
-      </dsp:spPr>
-      <dsp:style>
-        <a:lnRef idx="2">
-          <a:scrgbClr r="0" g="0" b="0"/>
-        </a:lnRef>
-        <a:fillRef idx="1">
-          <a:scrgbClr r="0" g="0" b="0"/>
-        </a:fillRef>
-        <a:effectRef idx="0">
-          <a:scrgbClr r="0" g="0" b="0"/>
-        </a:effectRef>
-        <a:fontRef idx="minor">
-          <a:schemeClr val="lt1"/>
-        </a:fontRef>
-      </dsp:style>
-      <dsp:txBody>
-        <a:bodyPr spcFirstLastPara="0" vert="horz" wrap="square" lIns="57150" tIns="57150" rIns="57150" bIns="57150" numCol="1" spcCol="1270" anchor="ctr" anchorCtr="0">
-          <a:noAutofit/>
-        </a:bodyPr>
-        <a:lstStyle/>
-        <a:p>
-          <a:pPr lvl="0" algn="ctr" defTabSz="666750">
-            <a:lnSpc>
-              <a:spcPct val="90000"/>
-            </a:lnSpc>
-            <a:spcBef>
-              <a:spcPct val="0"/>
-            </a:spcBef>
-            <a:spcAft>
-              <a:spcPct val="35000"/>
-            </a:spcAft>
-          </a:pPr>
-          <a:r>
-            <a:rPr lang="en-US" sz="1500" kern="1200" dirty="0" smtClean="0"/>
-            <a:t>Scalable</a:t>
-          </a:r>
-          <a:endParaRPr lang="en-US" sz="1500" kern="1200" dirty="0"/>
-        </a:p>
-      </dsp:txBody>
-      <dsp:txXfrm>
-        <a:off x="1647657" y="3924197"/>
-        <a:ext cx="1543467" cy="966648"/>
-      </dsp:txXfrm>
-    </dsp:sp>
-    <dsp:sp modelId="{056CC646-5754-44E5-A0A1-6D8A696A105F}">
-      <dsp:nvSpPr>
-        <dsp:cNvPr id="0" name=""/>
-        <dsp:cNvSpPr/>
-      </dsp:nvSpPr>
-      <dsp:spPr>
-        <a:xfrm>
-          <a:off x="1537635" y="537910"/>
-          <a:ext cx="4278136" cy="4278136"/>
-        </a:xfrm>
-        <a:custGeom>
-          <a:avLst/>
-          <a:gdLst/>
-          <a:ahLst/>
-          <a:cxnLst/>
-          <a:rect l="0" t="0" r="0" b="0"/>
-          <a:pathLst>
-            <a:path>
-              <a:moveTo>
-                <a:pt x="357263" y="3322615"/>
-              </a:moveTo>
-              <a:arcTo wR="2139068" hR="2139068" stAng="8784376" swAng="2195259"/>
-            </a:path>
-          </a:pathLst>
-        </a:custGeom>
-        <a:noFill/>
-        <a:ln w="6350" cap="flat" cmpd="sng" algn="ctr">
-          <a:solidFill>
-            <a:schemeClr val="accent1">
-              <a:hueOff val="0"/>
-              <a:satOff val="0"/>
-              <a:lumOff val="0"/>
-              <a:alphaOff val="0"/>
-            </a:schemeClr>
-          </a:solidFill>
-          <a:prstDash val="solid"/>
-          <a:miter lim="800000"/>
-        </a:ln>
-        <a:effectLst/>
-      </dsp:spPr>
-      <dsp:style>
-        <a:lnRef idx="1">
-          <a:scrgbClr r="0" g="0" b="0"/>
-        </a:lnRef>
-        <a:fillRef idx="0">
-          <a:scrgbClr r="0" g="0" b="0"/>
-        </a:fillRef>
-        <a:effectRef idx="0">
-          <a:scrgbClr r="0" g="0" b="0"/>
-        </a:effectRef>
-        <a:fontRef idx="minor"/>
-      </dsp:style>
-    </dsp:sp>
-    <dsp:sp modelId="{A653242B-ADB0-487B-BD28-2FADAD2FE010}">
-      <dsp:nvSpPr>
-        <dsp:cNvPr id="0" name=""/>
-        <dsp:cNvSpPr/>
-      </dsp:nvSpPr>
-      <dsp:spPr>
-        <a:xfrm>
-          <a:off x="818302" y="1480353"/>
-          <a:ext cx="1648053" cy="1071234"/>
-        </a:xfrm>
-        <a:prstGeom prst="roundRect">
-          <a:avLst/>
-        </a:prstGeom>
-        <a:solidFill>
-          <a:schemeClr val="accent1">
-            <a:hueOff val="0"/>
-            <a:satOff val="0"/>
-            <a:lumOff val="0"/>
-            <a:alphaOff val="0"/>
-          </a:schemeClr>
-        </a:solidFill>
-        <a:ln w="12700" cap="flat" cmpd="sng" algn="ctr">
-          <a:solidFill>
-            <a:schemeClr val="lt1">
-              <a:hueOff val="0"/>
-              <a:satOff val="0"/>
-              <a:lumOff val="0"/>
-              <a:alphaOff val="0"/>
-            </a:schemeClr>
-          </a:solidFill>
-          <a:prstDash val="solid"/>
-          <a:miter lim="800000"/>
-        </a:ln>
-        <a:effectLst/>
-      </dsp:spPr>
-      <dsp:style>
-        <a:lnRef idx="2">
-          <a:scrgbClr r="0" g="0" b="0"/>
-        </a:lnRef>
-        <a:fillRef idx="1">
-          <a:scrgbClr r="0" g="0" b="0"/>
-        </a:fillRef>
-        <a:effectRef idx="0">
-          <a:scrgbClr r="0" g="0" b="0"/>
-        </a:effectRef>
-        <a:fontRef idx="minor">
-          <a:schemeClr val="lt1"/>
-        </a:fontRef>
-      </dsp:style>
-      <dsp:txBody>
-        <a:bodyPr spcFirstLastPara="0" vert="horz" wrap="square" lIns="57150" tIns="57150" rIns="57150" bIns="57150" numCol="1" spcCol="1270" anchor="ctr" anchorCtr="0">
-          <a:noAutofit/>
-        </a:bodyPr>
-        <a:lstStyle/>
-        <a:p>
-          <a:pPr lvl="0" algn="ctr" defTabSz="666750">
-            <a:lnSpc>
-              <a:spcPct val="90000"/>
-            </a:lnSpc>
-            <a:spcBef>
-              <a:spcPct val="0"/>
-            </a:spcBef>
-            <a:spcAft>
-              <a:spcPct val="35000"/>
-            </a:spcAft>
-          </a:pPr>
-          <a:r>
-            <a:rPr lang="en-US" sz="1500" kern="1200" smtClean="0"/>
-            <a:t>Ease of Use</a:t>
-          </a:r>
-          <a:endParaRPr lang="en-US" sz="1500" kern="1200" dirty="0"/>
-        </a:p>
-      </dsp:txBody>
-      <dsp:txXfrm>
-        <a:off x="870595" y="1532646"/>
-        <a:ext cx="1543467" cy="966648"/>
-      </dsp:txXfrm>
-    </dsp:sp>
-    <dsp:sp modelId="{B852E4E0-5A6F-494D-9F34-39E0DF218D66}">
-      <dsp:nvSpPr>
-        <dsp:cNvPr id="0" name=""/>
-        <dsp:cNvSpPr/>
-      </dsp:nvSpPr>
-      <dsp:spPr>
-        <a:xfrm>
-          <a:off x="1537635" y="537910"/>
-          <a:ext cx="4278136" cy="4278136"/>
-        </a:xfrm>
-        <a:custGeom>
-          <a:avLst/>
-          <a:gdLst/>
-          <a:ahLst/>
-          <a:cxnLst/>
-          <a:rect l="0" t="0" r="0" b="0"/>
-          <a:pathLst>
-            <a:path>
-              <a:moveTo>
-                <a:pt x="372911" y="932293"/>
-              </a:moveTo>
-              <a:arcTo wR="2139068" hR="2139068" stAng="12860635" swAng="1960180"/>
-            </a:path>
-          </a:pathLst>
-        </a:custGeom>
-        <a:noFill/>
-        <a:ln w="6350" cap="flat" cmpd="sng" algn="ctr">
-          <a:solidFill>
-            <a:schemeClr val="accent1">
-              <a:hueOff val="0"/>
-              <a:satOff val="0"/>
-              <a:lumOff val="0"/>
-              <a:alphaOff val="0"/>
-            </a:schemeClr>
-          </a:solidFill>
-          <a:prstDash val="solid"/>
-          <a:miter lim="800000"/>
-        </a:ln>
-        <a:effectLst/>
-      </dsp:spPr>
-      <dsp:style>
-        <a:lnRef idx="1">
-          <a:scrgbClr r="0" g="0" b="0"/>
-        </a:lnRef>
-        <a:fillRef idx="0">
-          <a:scrgbClr r="0" g="0" b="0"/>
-        </a:fillRef>
-        <a:effectRef idx="0">
-          <a:scrgbClr r="0" g="0" b="0"/>
-        </a:effectRef>
-        <a:fontRef idx="minor"/>
-      </dsp:style>
-    </dsp:sp>
   </dsp:spTree>
 </dsp:drawing>
 </file>
@@ -3953,7 +3292,7 @@
           <a:p>
             <a:fld id="{DF61EA0F-A667-4B49-8422-0062BC55E249}" type="slidenum">
               <a:rPr lang="en-US" smtClean="0"/>
-              <a:t>10</a:t>
+              <a:t>11</a:t>
             </a:fld>
             <a:endParaRPr lang="en-US"/>
           </a:p>
@@ -4037,7 +3376,7 @@
           <a:p>
             <a:fld id="{DF61EA0F-A667-4B49-8422-0062BC55E249}" type="slidenum">
               <a:rPr lang="en-US" smtClean="0"/>
-              <a:t>11</a:t>
+              <a:t>12</a:t>
             </a:fld>
             <a:endParaRPr lang="en-US"/>
           </a:p>
@@ -4162,7 +3501,6 @@
               <a:rPr lang="en-US" baseline="0" dirty="0" smtClean="0"/>
               <a:t>Windows, Linux / .NET, Java, C / Embedded or Application</a:t>
             </a:r>
-            <a:endParaRPr lang="en-US" baseline="0" dirty="0" smtClean="0"/>
           </a:p>
           <a:p>
             <a:pPr marL="176681" indent="-176681">
@@ -4212,7 +3550,6 @@
               <a:rPr lang="en-US" baseline="0" dirty="0" smtClean="0"/>
               <a:t>Millions of simultaneous connections, sending and receiving messages.</a:t>
             </a:r>
-            <a:endParaRPr lang="en-US" baseline="0" dirty="0" smtClean="0"/>
           </a:p>
           <a:p>
             <a:endParaRPr lang="en-US" dirty="0" smtClean="0"/>
@@ -4263,7 +3600,7 @@
           <a:p>
             <a:fld id="{DF61EA0F-A667-4B49-8422-0062BC55E249}" type="slidenum">
               <a:rPr lang="en-US" smtClean="0"/>
-              <a:t>12</a:t>
+              <a:t>13</a:t>
             </a:fld>
             <a:endParaRPr lang="en-US"/>
           </a:p>
@@ -4397,7 +3734,7 @@
           <a:p>
             <a:fld id="{DF61EA0F-A667-4B49-8422-0062BC55E249}" type="slidenum">
               <a:rPr lang="en-US" smtClean="0"/>
-              <a:t>13</a:t>
+              <a:t>14</a:t>
             </a:fld>
             <a:endParaRPr lang="en-US"/>
           </a:p>
@@ -4553,7 +3890,7 @@
           <a:p>
             <a:fld id="{DF61EA0F-A667-4B49-8422-0062BC55E249}" type="slidenum">
               <a:rPr lang="en-US" smtClean="0"/>
-              <a:t>14</a:t>
+              <a:t>15</a:t>
             </a:fld>
             <a:endParaRPr lang="en-US"/>
           </a:p>
@@ -4637,7 +3974,7 @@
           <a:p>
             <a:fld id="{DF61EA0F-A667-4B49-8422-0062BC55E249}" type="slidenum">
               <a:rPr lang="en-US" smtClean="0"/>
-              <a:t>15</a:t>
+              <a:t>16</a:t>
             </a:fld>
             <a:endParaRPr lang="en-US"/>
           </a:p>
@@ -4721,7 +4058,7 @@
           <a:p>
             <a:fld id="{DF61EA0F-A667-4B49-8422-0062BC55E249}" type="slidenum">
               <a:rPr lang="en-US" smtClean="0"/>
-              <a:t>16</a:t>
+              <a:t>17</a:t>
             </a:fld>
             <a:endParaRPr lang="en-US"/>
           </a:p>
@@ -4805,7 +4142,7 @@
           <a:p>
             <a:fld id="{DF61EA0F-A667-4B49-8422-0062BC55E249}" type="slidenum">
               <a:rPr lang="en-US" smtClean="0"/>
-              <a:t>17</a:t>
+              <a:t>18</a:t>
             </a:fld>
             <a:endParaRPr lang="en-US"/>
           </a:p>
@@ -4912,7 +4249,7 @@
           <a:p>
             <a:fld id="{DF61EA0F-A667-4B49-8422-0062BC55E249}" type="slidenum">
               <a:rPr lang="en-US" smtClean="0"/>
-              <a:t>18</a:t>
+              <a:t>19</a:t>
             </a:fld>
             <a:endParaRPr lang="en-US"/>
           </a:p>
@@ -4996,7 +4333,7 @@
           <a:p>
             <a:fld id="{DF61EA0F-A667-4B49-8422-0062BC55E249}" type="slidenum">
               <a:rPr lang="en-US" smtClean="0"/>
-              <a:t>19</a:t>
+              <a:t>20</a:t>
             </a:fld>
             <a:endParaRPr lang="en-US"/>
           </a:p>
@@ -5068,7 +4405,6 @@
               <a:rPr lang="en-US" b="0" dirty="0" smtClean="0"/>
               <a:t>Good morning everyone.</a:t>
             </a:r>
-            <a:endParaRPr lang="en-US" b="0" dirty="0" smtClean="0"/>
           </a:p>
           <a:p>
             <a:r>
@@ -5087,11 +4423,7 @@
           <a:p>
             <a:r>
               <a:rPr lang="en-US" b="0" dirty="0" smtClean="0"/>
-              <a:t>Today </a:t>
-            </a:r>
-            <a:r>
-              <a:rPr lang="en-US" b="0" dirty="0" smtClean="0"/>
-              <a:t>we are exploring how to stream and collect events using the Azure </a:t>
+              <a:t>Today we are exploring how to stream and collect events using the Azure </a:t>
             </a:r>
             <a:r>
               <a:rPr lang="en-US" b="0" dirty="0" err="1" smtClean="0"/>
@@ -5156,11 +4488,7 @@
           <a:p>
             <a:r>
               <a:rPr lang="en-US" dirty="0" smtClean="0"/>
-              <a:t>Icons - https</a:t>
-            </a:r>
-            <a:r>
-              <a:rPr lang="en-US" dirty="0" smtClean="0"/>
-              <a:t>://www.microsoft.com/en-us/download/details.aspx?id=41937</a:t>
+              <a:t>Icons - https://www.microsoft.com/en-us/download/details.aspx?id=41937</a:t>
             </a:r>
             <a:endParaRPr lang="en-US" dirty="0"/>
           </a:p>
@@ -5267,7 +4595,7 @@
           <a:p>
             <a:fld id="{DF61EA0F-A667-4B49-8422-0062BC55E249}" type="slidenum">
               <a:rPr lang="en-US" smtClean="0"/>
-              <a:t>20</a:t>
+              <a:t>21</a:t>
             </a:fld>
             <a:endParaRPr lang="en-US"/>
           </a:p>
@@ -5351,7 +4679,7 @@
           <a:p>
             <a:fld id="{DF61EA0F-A667-4B49-8422-0062BC55E249}" type="slidenum">
               <a:rPr lang="en-US" smtClean="0"/>
-              <a:t>21</a:t>
+              <a:t>22</a:t>
             </a:fld>
             <a:endParaRPr lang="en-US"/>
           </a:p>
@@ -5435,7 +4763,7 @@
           <a:p>
             <a:fld id="{DF61EA0F-A667-4B49-8422-0062BC55E249}" type="slidenum">
               <a:rPr lang="en-US" smtClean="0"/>
-              <a:t>22</a:t>
+              <a:t>23</a:t>
             </a:fld>
             <a:endParaRPr lang="en-US"/>
           </a:p>
@@ -5519,7 +4847,7 @@
           <a:p>
             <a:fld id="{DF61EA0F-A667-4B49-8422-0062BC55E249}" type="slidenum">
               <a:rPr lang="en-US" smtClean="0"/>
-              <a:t>23</a:t>
+              <a:t>24</a:t>
             </a:fld>
             <a:endParaRPr lang="en-US"/>
           </a:p>
@@ -5603,7 +4931,7 @@
           <a:p>
             <a:fld id="{DF61EA0F-A667-4B49-8422-0062BC55E249}" type="slidenum">
               <a:rPr lang="en-US" smtClean="0"/>
-              <a:t>24</a:t>
+              <a:t>25</a:t>
             </a:fld>
             <a:endParaRPr lang="en-US"/>
           </a:p>
@@ -5808,7 +5136,7 @@
           <a:p>
             <a:fld id="{DF61EA0F-A667-4B49-8422-0062BC55E249}" type="slidenum">
               <a:rPr lang="en-US" smtClean="0"/>
-              <a:t>4</a:t>
+              <a:t>5</a:t>
             </a:fld>
             <a:endParaRPr lang="en-US"/>
           </a:p>
@@ -5904,11 +5232,7 @@
           <a:p>
             <a:r>
               <a:rPr lang="en-US" baseline="0" dirty="0" smtClean="0"/>
-              <a:t>What technology is used?  RFID, NFC, Bluetooth, </a:t>
-            </a:r>
-            <a:r>
-              <a:rPr lang="en-US" baseline="0" dirty="0" smtClean="0"/>
-              <a:t>Wi-Fi</a:t>
+              <a:t>What technology is used?  RFID, NFC, Bluetooth, Wi-Fi</a:t>
             </a:r>
           </a:p>
           <a:p>
@@ -5919,7 +5243,6 @@
               <a:rPr lang="en-US" baseline="0" dirty="0" smtClean="0"/>
               <a:t>Do the devices talk directly to the “cloud”, or do they route through a concentrator or protocol gateway?</a:t>
             </a:r>
-            <a:endParaRPr lang="en-US" baseline="0" dirty="0" smtClean="0"/>
           </a:p>
         </p:txBody>
       </p:sp>
@@ -5940,7 +5263,7 @@
           <a:p>
             <a:fld id="{DF61EA0F-A667-4B49-8422-0062BC55E249}" type="slidenum">
               <a:rPr lang="en-US" smtClean="0"/>
-              <a:t>5</a:t>
+              <a:t>6</a:t>
             </a:fld>
             <a:endParaRPr lang="en-US"/>
           </a:p>
@@ -6034,11 +5357,7 @@
             </a:r>
             <a:r>
               <a:rPr lang="en-US" baseline="0" dirty="0" smtClean="0"/>
-              <a:t> so “foreign</a:t>
-            </a:r>
-            <a:r>
-              <a:rPr lang="en-US" baseline="0" dirty="0" smtClean="0"/>
-              <a:t>”?</a:t>
+              <a:t> so “foreign”?</a:t>
             </a:r>
           </a:p>
         </p:txBody>
@@ -6060,7 +5379,7 @@
           <a:p>
             <a:fld id="{DF61EA0F-A667-4B49-8422-0062BC55E249}" type="slidenum">
               <a:rPr lang="en-US" smtClean="0"/>
-              <a:t>6</a:t>
+              <a:t>7</a:t>
             </a:fld>
             <a:endParaRPr lang="en-US"/>
           </a:p>
@@ -6160,7 +5479,7 @@
           <a:p>
             <a:fld id="{DF61EA0F-A667-4B49-8422-0062BC55E249}" type="slidenum">
               <a:rPr lang="en-US" smtClean="0"/>
-              <a:t>7</a:t>
+              <a:t>8</a:t>
             </a:fld>
             <a:endParaRPr lang="en-US"/>
           </a:p>
@@ -6252,7 +5571,7 @@
           <a:p>
             <a:fld id="{DF61EA0F-A667-4B49-8422-0062BC55E249}" type="slidenum">
               <a:rPr lang="en-US" smtClean="0"/>
-              <a:t>8</a:t>
+              <a:t>9</a:t>
             </a:fld>
             <a:endParaRPr lang="en-US"/>
           </a:p>
@@ -6393,7 +5712,7 @@
           <a:p>
             <a:fld id="{DF61EA0F-A667-4B49-8422-0062BC55E249}" type="slidenum">
               <a:rPr lang="en-US" smtClean="0"/>
-              <a:t>9</a:t>
+              <a:t>10</a:t>
             </a:fld>
             <a:endParaRPr lang="en-US"/>
           </a:p>
@@ -13712,6 +13031,151 @@
             <a:spLocks noGrp="1"/>
           </p:cNvSpPr>
           <p:nvPr>
+            <p:ph sz="quarter" idx="15"/>
+          </p:nvPr>
+        </p:nvSpPr>
+        <p:spPr>
+          <a:xfrm>
+            <a:off x="1153550" y="1800666"/>
+            <a:ext cx="10072467" cy="4768946"/>
+          </a:xfrm>
+        </p:spPr>
+        <p:txBody>
+          <a:bodyPr>
+            <a:normAutofit/>
+          </a:bodyPr>
+          <a:lstStyle/>
+          <a:p>
+            <a:r>
+              <a:rPr lang="en-US" sz="4000" i="1" dirty="0" smtClean="0"/>
+              <a:t>“Things having identities and virtual personalities operating in smart spaces using intelligent interfaces to connect and communicate within social, environmental, and other user contexts.”</a:t>
+            </a:r>
+          </a:p>
+          <a:p>
+            <a:pPr algn="r"/>
+            <a:endParaRPr lang="en-US" sz="2000" i="1" dirty="0" smtClean="0"/>
+          </a:p>
+          <a:p>
+            <a:pPr algn="r"/>
+            <a:r>
+              <a:rPr lang="en-US" sz="2000" i="1" dirty="0" smtClean="0"/>
+              <a:t>“Internet of Things in 2020: A Roadmap for the Future”</a:t>
+            </a:r>
+          </a:p>
+          <a:p>
+            <a:pPr algn="r"/>
+            <a:r>
+              <a:rPr lang="en-US" sz="2000" dirty="0" smtClean="0"/>
+              <a:t>European Technology Platform on Smart Systems Integration (</a:t>
+            </a:r>
+            <a:r>
+              <a:rPr lang="en-US" sz="2000" dirty="0" err="1" smtClean="0"/>
+              <a:t>EPoSS</a:t>
+            </a:r>
+            <a:r>
+              <a:rPr lang="en-US" sz="2000" dirty="0" smtClean="0"/>
+              <a:t>)</a:t>
+            </a:r>
+          </a:p>
+          <a:p>
+            <a:pPr algn="r"/>
+            <a:r>
+              <a:rPr lang="en-US" sz="2000" dirty="0" smtClean="0">
+                <a:hlinkClick r:id="rId3"/>
+              </a:rPr>
+              <a:t>http://www.smart-systems-integration.org</a:t>
+            </a:r>
+            <a:endParaRPr lang="en-US" sz="2000" dirty="0" smtClean="0"/>
+          </a:p>
+          <a:p>
+            <a:pPr algn="r"/>
+            <a:endParaRPr lang="en-US" sz="2000" dirty="0"/>
+          </a:p>
+        </p:txBody>
+      </p:sp>
+      <p:sp>
+        <p:nvSpPr>
+          <p:cNvPr id="3" name="Text Placeholder 2"/>
+          <p:cNvSpPr>
+            <a:spLocks noGrp="1"/>
+          </p:cNvSpPr>
+          <p:nvPr>
+            <p:ph type="body" sz="quarter" idx="28"/>
+          </p:nvPr>
+        </p:nvSpPr>
+        <p:spPr/>
+        <p:txBody>
+          <a:bodyPr/>
+          <a:lstStyle/>
+          <a:p>
+            <a:r>
+              <a:rPr lang="en-US" dirty="0" smtClean="0"/>
+              <a:t>What is </a:t>
+            </a:r>
+            <a:r>
+              <a:rPr lang="en-US" dirty="0" err="1" smtClean="0"/>
+              <a:t>IoT</a:t>
+            </a:r>
+            <a:r>
+              <a:rPr lang="en-US" dirty="0" smtClean="0"/>
+              <a:t>?</a:t>
+            </a:r>
+            <a:endParaRPr lang="en-US" dirty="0"/>
+          </a:p>
+        </p:txBody>
+      </p:sp>
+    </p:spTree>
+    <p:extLst>
+      <p:ext uri="{BB962C8B-B14F-4D97-AF65-F5344CB8AC3E}">
+        <p14:creationId xmlns:p14="http://schemas.microsoft.com/office/powerpoint/2010/main" val="2961714495"/>
+      </p:ext>
+    </p:extLst>
+  </p:cSld>
+  <p:clrMapOvr>
+    <a:masterClrMapping/>
+  </p:clrMapOvr>
+  <mc:AlternateContent xmlns:mc="http://schemas.openxmlformats.org/markup-compatibility/2006" xmlns:p14="http://schemas.microsoft.com/office/powerpoint/2010/main">
+    <mc:Choice Requires="p14">
+      <p:transition spd="slow" p14:dur="2000" advClick="0"/>
+    </mc:Choice>
+    <mc:Fallback xmlns="">
+      <p:transition spd="slow" advClick="0"/>
+    </mc:Fallback>
+  </mc:AlternateContent>
+  <p:timing>
+    <p:tnLst>
+      <p:par>
+        <p:cTn id="1" dur="indefinite" restart="never" nodeType="tmRoot"/>
+      </p:par>
+    </p:tnLst>
+  </p:timing>
+</p:sld>
+</file>
+
+<file path=ppt/slides/slide11.xml><?xml version="1.0" encoding="utf-8"?>
+<p:sld xmlns:a="http://schemas.openxmlformats.org/drawingml/2006/main" xmlns:r="http://schemas.openxmlformats.org/officeDocument/2006/relationships" xmlns:p="http://schemas.openxmlformats.org/presentationml/2006/main">
+  <p:cSld>
+    <p:spTree>
+      <p:nvGrpSpPr>
+        <p:cNvPr id="1" name=""/>
+        <p:cNvGrpSpPr/>
+        <p:nvPr/>
+      </p:nvGrpSpPr>
+      <p:grpSpPr>
+        <a:xfrm>
+          <a:off x="0" y="0"/>
+          <a:ext cx="0" cy="0"/>
+          <a:chOff x="0" y="0"/>
+          <a:chExt cx="0" cy="0"/>
+        </a:xfrm>
+      </p:grpSpPr>
+      <p:sp>
+        <p:nvSpPr>
+          <p:cNvPr id="2" name="Content Placeholder 1"/>
+          <p:cNvSpPr>
+            <a:spLocks noGrp="1"/>
+          </p:cNvSpPr>
+          <p:nvPr>
             <p:ph sz="quarter" idx="13"/>
           </p:nvPr>
         </p:nvSpPr>
@@ -13820,7 +13284,6 @@
               <a:rPr lang="en-US" sz="2000" dirty="0" smtClean="0"/>
               <a:t>Process Control</a:t>
             </a:r>
-            <a:endParaRPr lang="en-US" sz="2000" dirty="0" smtClean="0"/>
           </a:p>
           <a:p>
             <a:pPr marL="457200" indent="-457200">
@@ -14635,7 +14098,7 @@
 </p:sld>
 </file>
 
-<file path=ppt/slides/slide11.xml><?xml version="1.0" encoding="utf-8"?>
+<file path=ppt/slides/slide12.xml><?xml version="1.0" encoding="utf-8"?>
 <p:sld xmlns:a="http://schemas.openxmlformats.org/drawingml/2006/main" xmlns:r="http://schemas.openxmlformats.org/officeDocument/2006/relationships" xmlns:p="http://schemas.openxmlformats.org/presentationml/2006/main">
   <p:cSld>
     <p:spTree>
@@ -14703,7 +14166,7 @@
 </p:sld>
 </file>
 
-<file path=ppt/slides/slide12.xml><?xml version="1.0" encoding="utf-8"?>
+<file path=ppt/slides/slide13.xml><?xml version="1.0" encoding="utf-8"?>
 <p:sld xmlns:a="http://schemas.openxmlformats.org/drawingml/2006/main" xmlns:r="http://schemas.openxmlformats.org/officeDocument/2006/relationships" xmlns:p="http://schemas.openxmlformats.org/presentationml/2006/main">
   <p:cSld>
     <p:spTree>
@@ -15386,7 +14849,7 @@
 </p:sld>
 </file>
 
-<file path=ppt/slides/slide13.xml><?xml version="1.0" encoding="utf-8"?>
+<file path=ppt/slides/slide14.xml><?xml version="1.0" encoding="utf-8"?>
 <p:sld xmlns:a="http://schemas.openxmlformats.org/drawingml/2006/main" xmlns:r="http://schemas.openxmlformats.org/officeDocument/2006/relationships" xmlns:p="http://schemas.openxmlformats.org/presentationml/2006/main">
   <p:cSld>
     <p:spTree>
@@ -16954,7 +16417,7 @@
 </p:sld>
 </file>
 
-<file path=ppt/slides/slide14.xml><?xml version="1.0" encoding="utf-8"?>
+<file path=ppt/slides/slide15.xml><?xml version="1.0" encoding="utf-8"?>
 <p:sld xmlns:a="http://schemas.openxmlformats.org/drawingml/2006/main" xmlns:r="http://schemas.openxmlformats.org/officeDocument/2006/relationships" xmlns:p="http://schemas.openxmlformats.org/presentationml/2006/main">
   <p:cSld>
     <p:spTree>
@@ -18033,7 +17496,7 @@
 </p:sld>
 </file>
 
-<file path=ppt/slides/slide15.xml><?xml version="1.0" encoding="utf-8"?>
+<file path=ppt/slides/slide16.xml><?xml version="1.0" encoding="utf-8"?>
 <p:sld xmlns:a="http://schemas.openxmlformats.org/drawingml/2006/main" xmlns:r="http://schemas.openxmlformats.org/officeDocument/2006/relationships" xmlns:p="http://schemas.openxmlformats.org/presentationml/2006/main">
   <p:cSld>
     <p:spTree>
@@ -18109,11 +17572,7 @@
             </a:pPr>
             <a:r>
               <a:rPr lang="en-US" dirty="0" smtClean="0"/>
-              <a:t>Process </a:t>
-            </a:r>
-            <a:r>
-              <a:rPr lang="en-US" dirty="0" smtClean="0"/>
-              <a:t>Device-to-Cloud Messages</a:t>
+              <a:t>Process Device-to-Cloud Messages</a:t>
             </a:r>
           </a:p>
           <a:p>
@@ -18123,17 +17582,8 @@
             </a:pPr>
             <a:r>
               <a:rPr lang="en-US" dirty="0" smtClean="0"/>
-              <a:t>Send </a:t>
-            </a:r>
-            <a:r>
-              <a:rPr lang="en-US" dirty="0" smtClean="0"/>
-              <a:t>Cloud-to-Device </a:t>
-            </a:r>
-            <a:r>
-              <a:rPr lang="en-US" dirty="0" smtClean="0"/>
-              <a:t>Messages</a:t>
-            </a:r>
-            <a:endParaRPr lang="en-US" dirty="0" smtClean="0"/>
+              <a:t>Send Cloud-to-Device Messages</a:t>
+            </a:r>
           </a:p>
         </p:txBody>
       </p:sp>
@@ -18188,7 +17638,7 @@
 </p:sld>
 </file>
 
-<file path=ppt/slides/slide16.xml><?xml version="1.0" encoding="utf-8"?>
+<file path=ppt/slides/slide17.xml><?xml version="1.0" encoding="utf-8"?>
 <p:sld xmlns:a="http://schemas.openxmlformats.org/drawingml/2006/main" xmlns:r="http://schemas.openxmlformats.org/officeDocument/2006/relationships" xmlns:p="http://schemas.openxmlformats.org/presentationml/2006/main">
   <p:cSld>
     <p:spTree>
@@ -18223,13 +17673,8 @@
             <a:pPr algn="ctr"/>
             <a:r>
               <a:rPr lang="en-US" sz="4800" dirty="0" smtClean="0"/>
-              <a:t>{ </a:t>
-            </a:r>
-            <a:r>
-              <a:rPr lang="en-US" sz="4800" dirty="0" smtClean="0"/>
-              <a:t>DEMO }</a:t>
-            </a:r>
-            <a:endParaRPr lang="en-US" sz="4800" dirty="0" smtClean="0"/>
+              <a:t>{ DEMO }</a:t>
+            </a:r>
           </a:p>
         </p:txBody>
       </p:sp>
@@ -18262,11 +17707,11 @@
   <p:clrMapOvr>
     <a:masterClrMapping/>
   </p:clrMapOvr>
-  <mc:AlternateContent xmlns:mc="http://schemas.openxmlformats.org/markup-compatibility/2006">
-    <mc:Choice xmlns:p14="http://schemas.microsoft.com/office/powerpoint/2010/main" Requires="p14">
+  <mc:AlternateContent xmlns:mc="http://schemas.openxmlformats.org/markup-compatibility/2006" xmlns:p14="http://schemas.microsoft.com/office/powerpoint/2010/main">
+    <mc:Choice Requires="p14">
       <p:transition spd="slow" p14:dur="2000" advClick="0"/>
     </mc:Choice>
-    <mc:Fallback>
+    <mc:Fallback xmlns="">
       <p:transition spd="slow" advClick="0"/>
     </mc:Fallback>
   </mc:AlternateContent>
@@ -18280,7 +17725,7 @@
 </p:sld>
 </file>
 
-<file path=ppt/slides/slide17.xml><?xml version="1.0" encoding="utf-8"?>
+<file path=ppt/slides/slide18.xml><?xml version="1.0" encoding="utf-8"?>
 <p:sld xmlns:a="http://schemas.openxmlformats.org/drawingml/2006/main" xmlns:r="http://schemas.openxmlformats.org/officeDocument/2006/relationships" xmlns:p="http://schemas.openxmlformats.org/presentationml/2006/main" show="0">
   <p:cSld>
     <p:spTree>
@@ -18349,18 +17794,18 @@
   <p:clrMapOvr>
     <a:masterClrMapping/>
   </p:clrMapOvr>
-  <mc:AlternateContent xmlns:mc="http://schemas.openxmlformats.org/markup-compatibility/2006">
-    <mc:Choice xmlns:p14="http://schemas.microsoft.com/office/powerpoint/2010/main" Requires="p14">
+  <mc:AlternateContent xmlns:mc="http://schemas.openxmlformats.org/markup-compatibility/2006" xmlns:p14="http://schemas.microsoft.com/office/powerpoint/2010/main">
+    <mc:Choice Requires="p14">
       <p:transition spd="slow" p14:dur="2000" advClick="0"/>
     </mc:Choice>
-    <mc:Fallback>
+    <mc:Fallback xmlns="">
       <p:transition spd="slow" advClick="0"/>
     </mc:Fallback>
   </mc:AlternateContent>
 </p:sld>
 </file>
 
-<file path=ppt/slides/slide18.xml><?xml version="1.0" encoding="utf-8"?>
+<file path=ppt/slides/slide19.xml><?xml version="1.0" encoding="utf-8"?>
 <p:sld xmlns:a="http://schemas.openxmlformats.org/drawingml/2006/main" xmlns:r="http://schemas.openxmlformats.org/officeDocument/2006/relationships" xmlns:p="http://schemas.openxmlformats.org/presentationml/2006/main">
   <p:cSld>
     <p:spTree>
@@ -18586,107 +18031,6 @@
       <p:transition spd="slow" p14:dur="2000" advClick="0"/>
     </mc:Choice>
     <mc:Fallback xmlns="">
-      <p:transition spd="slow" advClick="0"/>
-    </mc:Fallback>
-  </mc:AlternateContent>
-  <p:timing>
-    <p:tnLst>
-      <p:par>
-        <p:cTn id="1" dur="indefinite" restart="never" nodeType="tmRoot"/>
-      </p:par>
-    </p:tnLst>
-  </p:timing>
-</p:sld>
-</file>
-
-<file path=ppt/slides/slide19.xml><?xml version="1.0" encoding="utf-8"?>
-<p:sld xmlns:a="http://schemas.openxmlformats.org/drawingml/2006/main" xmlns:r="http://schemas.openxmlformats.org/officeDocument/2006/relationships" xmlns:p="http://schemas.openxmlformats.org/presentationml/2006/main" show="0">
-  <p:cSld>
-    <p:spTree>
-      <p:nvGrpSpPr>
-        <p:cNvPr id="1" name=""/>
-        <p:cNvGrpSpPr/>
-        <p:nvPr/>
-      </p:nvGrpSpPr>
-      <p:grpSpPr>
-        <a:xfrm>
-          <a:off x="0" y="0"/>
-          <a:ext cx="0" cy="0"/>
-          <a:chOff x="0" y="0"/>
-          <a:chExt cx="0" cy="0"/>
-        </a:xfrm>
-      </p:grpSpPr>
-      <p:sp>
-        <p:nvSpPr>
-          <p:cNvPr id="2" name="Content Placeholder 1"/>
-          <p:cNvSpPr>
-            <a:spLocks noGrp="1"/>
-          </p:cNvSpPr>
-          <p:nvPr>
-            <p:ph sz="quarter" idx="15"/>
-          </p:nvPr>
-        </p:nvSpPr>
-        <p:spPr/>
-        <p:txBody>
-          <a:bodyPr anchor="ctr"/>
-          <a:lstStyle/>
-          <a:p>
-            <a:pPr algn="ctr"/>
-            <a:r>
-              <a:rPr lang="en-US" sz="4800" dirty="0" smtClean="0"/>
-              <a:t>{ Azure Subscription / Trial Setup }</a:t>
-            </a:r>
-          </a:p>
-          <a:p>
-            <a:pPr algn="ctr"/>
-            <a:r>
-              <a:rPr lang="en-US" dirty="0" smtClean="0">
-                <a:hlinkClick r:id="rId3"/>
-              </a:rPr>
-              <a:t>http://azure.microsoft.com</a:t>
-            </a:r>
-            <a:endParaRPr lang="en-US" dirty="0" smtClean="0"/>
-          </a:p>
-          <a:p>
-            <a:pPr algn="ctr"/>
-            <a:endParaRPr lang="en-US" dirty="0"/>
-          </a:p>
-        </p:txBody>
-      </p:sp>
-      <p:sp>
-        <p:nvSpPr>
-          <p:cNvPr id="3" name="Text Placeholder 2"/>
-          <p:cNvSpPr>
-            <a:spLocks noGrp="1"/>
-          </p:cNvSpPr>
-          <p:nvPr>
-            <p:ph type="body" sz="quarter" idx="28"/>
-          </p:nvPr>
-        </p:nvSpPr>
-        <p:spPr/>
-        <p:txBody>
-          <a:bodyPr/>
-          <a:lstStyle/>
-          <a:p>
-            <a:endParaRPr lang="en-US"/>
-          </a:p>
-        </p:txBody>
-      </p:sp>
-    </p:spTree>
-    <p:extLst>
-      <p:ext uri="{BB962C8B-B14F-4D97-AF65-F5344CB8AC3E}">
-        <p14:creationId xmlns:p14="http://schemas.microsoft.com/office/powerpoint/2010/main" val="299471086"/>
-      </p:ext>
-    </p:extLst>
-  </p:cSld>
-  <p:clrMapOvr>
-    <a:masterClrMapping/>
-  </p:clrMapOvr>
-  <mc:AlternateContent xmlns:mc="http://schemas.openxmlformats.org/markup-compatibility/2006">
-    <mc:Choice xmlns:p14="http://schemas.microsoft.com/office/powerpoint/2010/main" Requires="p14">
-      <p:transition spd="slow" p14:dur="2000" advClick="0"/>
-    </mc:Choice>
-    <mc:Fallback>
       <p:transition spd="slow" advClick="0"/>
     </mc:Fallback>
   </mc:AlternateContent>
@@ -19370,48 +18714,54 @@
         </p:nvSpPr>
         <p:spPr/>
         <p:txBody>
+          <a:bodyPr anchor="ctr"/>
+          <a:lstStyle/>
+          <a:p>
+            <a:pPr algn="ctr"/>
+            <a:r>
+              <a:rPr lang="en-US" sz="4800" dirty="0" smtClean="0"/>
+              <a:t>{ Azure Subscription / Trial Setup }</a:t>
+            </a:r>
+          </a:p>
+          <a:p>
+            <a:pPr algn="ctr"/>
+            <a:r>
+              <a:rPr lang="en-US" dirty="0" smtClean="0">
+                <a:hlinkClick r:id="rId3"/>
+              </a:rPr>
+              <a:t>http://azure.microsoft.com</a:t>
+            </a:r>
+            <a:endParaRPr lang="en-US" dirty="0" smtClean="0"/>
+          </a:p>
+          <a:p>
+            <a:pPr algn="ctr"/>
+            <a:endParaRPr lang="en-US" dirty="0"/>
+          </a:p>
+        </p:txBody>
+      </p:sp>
+      <p:sp>
+        <p:nvSpPr>
+          <p:cNvPr id="3" name="Text Placeholder 2"/>
+          <p:cNvSpPr>
+            <a:spLocks noGrp="1"/>
+          </p:cNvSpPr>
+          <p:nvPr>
+            <p:ph type="body" sz="quarter" idx="28"/>
+          </p:nvPr>
+        </p:nvSpPr>
+        <p:spPr/>
+        <p:txBody>
           <a:bodyPr/>
           <a:lstStyle/>
           <a:p>
             <a:endParaRPr lang="en-US"/>
-          </a:p>
-        </p:txBody>
-      </p:sp>
-      <p:sp>
-        <p:nvSpPr>
-          <p:cNvPr id="3" name="Text Placeholder 2"/>
-          <p:cNvSpPr>
-            <a:spLocks noGrp="1"/>
-          </p:cNvSpPr>
-          <p:nvPr>
-            <p:ph type="body" sz="quarter" idx="28"/>
-          </p:nvPr>
-        </p:nvSpPr>
-        <p:spPr/>
-        <p:txBody>
-          <a:bodyPr/>
-          <a:lstStyle/>
-          <a:p>
-            <a:r>
-              <a:rPr lang="en-US" dirty="0" smtClean="0"/>
-              <a:t>Creating the </a:t>
-            </a:r>
-            <a:r>
-              <a:rPr lang="en-US" dirty="0" err="1" smtClean="0"/>
-              <a:t>IoT</a:t>
-            </a:r>
-            <a:r>
-              <a:rPr lang="en-US" dirty="0" smtClean="0"/>
-              <a:t> Hub</a:t>
-            </a:r>
-            <a:endParaRPr lang="en-US" dirty="0"/>
           </a:p>
         </p:txBody>
       </p:sp>
     </p:spTree>
     <p:extLst>
       <p:ext uri="{BB962C8B-B14F-4D97-AF65-F5344CB8AC3E}">
-        <p14:creationId xmlns:p14="http://schemas.microsoft.com/office/powerpoint/2010/main" val="2902980223"/>
+        <p14:creationId xmlns:p14="http://schemas.microsoft.com/office/powerpoint/2010/main" val="299471086"/>
       </p:ext>
     </p:extLst>
   </p:cSld>
@@ -19489,7 +18839,15 @@
           <a:p>
             <a:r>
               <a:rPr lang="en-US" dirty="0" smtClean="0"/>
-              <a:t>Device Management</a:t>
+              <a:t>Creating the </a:t>
+            </a:r>
+            <a:r>
+              <a:rPr lang="en-US" dirty="0" err="1" smtClean="0"/>
+              <a:t>IoT</a:t>
+            </a:r>
+            <a:r>
+              <a:rPr lang="en-US" dirty="0" smtClean="0"/>
+              <a:t> Hub</a:t>
             </a:r>
             <a:endParaRPr lang="en-US" dirty="0"/>
           </a:p>
@@ -19498,7 +18856,7 @@
     </p:spTree>
     <p:extLst>
       <p:ext uri="{BB962C8B-B14F-4D97-AF65-F5344CB8AC3E}">
-        <p14:creationId xmlns:p14="http://schemas.microsoft.com/office/powerpoint/2010/main" val="2581859903"/>
+        <p14:creationId xmlns:p14="http://schemas.microsoft.com/office/powerpoint/2010/main" val="2902980223"/>
       </p:ext>
     </p:extLst>
   </p:cSld>
@@ -19576,7 +18934,7 @@
           <a:p>
             <a:r>
               <a:rPr lang="en-US" dirty="0" smtClean="0"/>
-              <a:t>Device Provisioning</a:t>
+              <a:t>Device Management</a:t>
             </a:r>
             <a:endParaRPr lang="en-US" dirty="0"/>
           </a:p>
@@ -19585,7 +18943,7 @@
     </p:spTree>
     <p:extLst>
       <p:ext uri="{BB962C8B-B14F-4D97-AF65-F5344CB8AC3E}">
-        <p14:creationId xmlns:p14="http://schemas.microsoft.com/office/powerpoint/2010/main" val="3790115468"/>
+        <p14:creationId xmlns:p14="http://schemas.microsoft.com/office/powerpoint/2010/main" val="2581859903"/>
       </p:ext>
     </p:extLst>
   </p:cSld>
@@ -19663,6 +19021,93 @@
           <a:p>
             <a:r>
               <a:rPr lang="en-US" dirty="0" smtClean="0"/>
+              <a:t>Device Provisioning</a:t>
+            </a:r>
+            <a:endParaRPr lang="en-US" dirty="0"/>
+          </a:p>
+        </p:txBody>
+      </p:sp>
+    </p:spTree>
+    <p:extLst>
+      <p:ext uri="{BB962C8B-B14F-4D97-AF65-F5344CB8AC3E}">
+        <p14:creationId xmlns:p14="http://schemas.microsoft.com/office/powerpoint/2010/main" val="3790115468"/>
+      </p:ext>
+    </p:extLst>
+  </p:cSld>
+  <p:clrMapOvr>
+    <a:masterClrMapping/>
+  </p:clrMapOvr>
+  <mc:AlternateContent xmlns:mc="http://schemas.openxmlformats.org/markup-compatibility/2006" xmlns:p14="http://schemas.microsoft.com/office/powerpoint/2010/main">
+    <mc:Choice Requires="p14">
+      <p:transition spd="slow" p14:dur="2000" advClick="0"/>
+    </mc:Choice>
+    <mc:Fallback xmlns="">
+      <p:transition spd="slow" advClick="0"/>
+    </mc:Fallback>
+  </mc:AlternateContent>
+  <p:timing>
+    <p:tnLst>
+      <p:par>
+        <p:cTn id="1" dur="indefinite" restart="never" nodeType="tmRoot"/>
+      </p:par>
+    </p:tnLst>
+  </p:timing>
+</p:sld>
+</file>
+
+<file path=ppt/slides/slide24.xml><?xml version="1.0" encoding="utf-8"?>
+<p:sld xmlns:a="http://schemas.openxmlformats.org/drawingml/2006/main" xmlns:r="http://schemas.openxmlformats.org/officeDocument/2006/relationships" xmlns:p="http://schemas.openxmlformats.org/presentationml/2006/main" show="0">
+  <p:cSld>
+    <p:spTree>
+      <p:nvGrpSpPr>
+        <p:cNvPr id="1" name=""/>
+        <p:cNvGrpSpPr/>
+        <p:nvPr/>
+      </p:nvGrpSpPr>
+      <p:grpSpPr>
+        <a:xfrm>
+          <a:off x="0" y="0"/>
+          <a:ext cx="0" cy="0"/>
+          <a:chOff x="0" y="0"/>
+          <a:chExt cx="0" cy="0"/>
+        </a:xfrm>
+      </p:grpSpPr>
+      <p:sp>
+        <p:nvSpPr>
+          <p:cNvPr id="2" name="Content Placeholder 1"/>
+          <p:cNvSpPr>
+            <a:spLocks noGrp="1"/>
+          </p:cNvSpPr>
+          <p:nvPr>
+            <p:ph sz="quarter" idx="15"/>
+          </p:nvPr>
+        </p:nvSpPr>
+        <p:spPr/>
+        <p:txBody>
+          <a:bodyPr/>
+          <a:lstStyle/>
+          <a:p>
+            <a:endParaRPr lang="en-US"/>
+          </a:p>
+        </p:txBody>
+      </p:sp>
+      <p:sp>
+        <p:nvSpPr>
+          <p:cNvPr id="3" name="Text Placeholder 2"/>
+          <p:cNvSpPr>
+            <a:spLocks noGrp="1"/>
+          </p:cNvSpPr>
+          <p:nvPr>
+            <p:ph type="body" sz="quarter" idx="28"/>
+          </p:nvPr>
+        </p:nvSpPr>
+        <p:spPr/>
+        <p:txBody>
+          <a:bodyPr/>
+          <a:lstStyle/>
+          <a:p>
+            <a:r>
+              <a:rPr lang="en-US" dirty="0" smtClean="0"/>
               <a:t>Device-to-Cloud Messaging</a:t>
             </a:r>
           </a:p>
@@ -19696,7 +19141,7 @@
 </p:sld>
 </file>
 
-<file path=ppt/slides/slide24.xml><?xml version="1.0" encoding="utf-8"?>
+<file path=ppt/slides/slide25.xml><?xml version="1.0" encoding="utf-8"?>
 <p:sld xmlns:a="http://schemas.openxmlformats.org/drawingml/2006/main" xmlns:r="http://schemas.openxmlformats.org/officeDocument/2006/relationships" xmlns:p="http://schemas.openxmlformats.org/presentationml/2006/main" show="0">
   <p:cSld>
     <p:spTree>
@@ -20073,6 +19518,131 @@
 </file>
 
 <file path=ppt/slides/slide4.xml><?xml version="1.0" encoding="utf-8"?>
+<p:sld xmlns:a="http://schemas.openxmlformats.org/drawingml/2006/main" xmlns:r="http://schemas.openxmlformats.org/officeDocument/2006/relationships" xmlns:p="http://schemas.openxmlformats.org/presentationml/2006/main">
+  <p:cSld>
+    <p:spTree>
+      <p:nvGrpSpPr>
+        <p:cNvPr id="1" name=""/>
+        <p:cNvGrpSpPr/>
+        <p:nvPr/>
+      </p:nvGrpSpPr>
+      <p:grpSpPr>
+        <a:xfrm>
+          <a:off x="0" y="0"/>
+          <a:ext cx="0" cy="0"/>
+          <a:chOff x="0" y="0"/>
+          <a:chExt cx="0" cy="0"/>
+        </a:xfrm>
+      </p:grpSpPr>
+      <p:pic>
+        <p:nvPicPr>
+          <p:cNvPr id="4" name="Content Placeholder 3"/>
+          <p:cNvPicPr>
+            <a:picLocks noGrp="1" noChangeAspect="1"/>
+          </p:cNvPicPr>
+          <p:nvPr>
+            <p:ph sz="quarter" idx="15"/>
+          </p:nvPr>
+        </p:nvPicPr>
+        <p:blipFill>
+          <a:blip r:embed="rId2" cstate="print">
+            <a:extLst>
+              <a:ext uri="{28A0092B-C50C-407E-A947-70E740481C1C}">
+                <a14:useLocalDpi xmlns:a14="http://schemas.microsoft.com/office/drawing/2010/main" val="0"/>
+              </a:ext>
+            </a:extLst>
+          </a:blip>
+          <a:stretch>
+            <a:fillRect/>
+          </a:stretch>
+        </p:blipFill>
+        <p:spPr>
+          <a:xfrm>
+            <a:off x="585788" y="3384669"/>
+            <a:ext cx="983848" cy="983848"/>
+          </a:xfrm>
+        </p:spPr>
+      </p:pic>
+      <p:sp>
+        <p:nvSpPr>
+          <p:cNvPr id="3" name="Text Placeholder 2"/>
+          <p:cNvSpPr>
+            <a:spLocks noGrp="1"/>
+          </p:cNvSpPr>
+          <p:nvPr>
+            <p:ph type="body" sz="quarter" idx="28"/>
+          </p:nvPr>
+        </p:nvSpPr>
+        <p:spPr/>
+        <p:txBody>
+          <a:bodyPr/>
+          <a:lstStyle/>
+          <a:p>
+            <a:endParaRPr lang="en-US"/>
+          </a:p>
+        </p:txBody>
+      </p:sp>
+      <p:sp>
+        <p:nvSpPr>
+          <p:cNvPr id="7" name="TextBox 6"/>
+          <p:cNvSpPr txBox="1"/>
+          <p:nvPr/>
+        </p:nvSpPr>
+        <p:spPr>
+          <a:xfrm>
+            <a:off x="1569636" y="3553428"/>
+            <a:ext cx="9664860" cy="646331"/>
+          </a:xfrm>
+          <a:prstGeom prst="rect">
+            <a:avLst/>
+          </a:prstGeom>
+          <a:noFill/>
+        </p:spPr>
+        <p:txBody>
+          <a:bodyPr wrap="square" rtlCol="0">
+            <a:spAutoFit/>
+          </a:bodyPr>
+          <a:lstStyle/>
+          <a:p>
+            <a:r>
+              <a:rPr lang="en-US" sz="3600" smtClean="0">
+                <a:hlinkClick r:id="rId3"/>
+              </a:rPr>
+              <a:t>http://bit.ly/StreamingEventsWithAzureIoTHub</a:t>
+            </a:r>
+            <a:endParaRPr lang="en-US" sz="3600" dirty="0"/>
+          </a:p>
+        </p:txBody>
+      </p:sp>
+    </p:spTree>
+    <p:extLst>
+      <p:ext uri="{BB962C8B-B14F-4D97-AF65-F5344CB8AC3E}">
+        <p14:creationId xmlns:p14="http://schemas.microsoft.com/office/powerpoint/2010/main" val="2092169956"/>
+      </p:ext>
+    </p:extLst>
+  </p:cSld>
+  <p:clrMapOvr>
+    <a:masterClrMapping/>
+  </p:clrMapOvr>
+  <mc:AlternateContent xmlns:mc="http://schemas.openxmlformats.org/markup-compatibility/2006" xmlns:p14="http://schemas.microsoft.com/office/powerpoint/2010/main">
+    <mc:Choice Requires="p14">
+      <p:transition spd="slow" p14:dur="2000" advClick="0"/>
+    </mc:Choice>
+    <mc:Fallback xmlns="">
+      <p:transition spd="slow" advClick="0"/>
+    </mc:Fallback>
+  </mc:AlternateContent>
+  <p:timing>
+    <p:tnLst>
+      <p:par>
+        <p:cTn id="1" dur="indefinite" restart="never" nodeType="tmRoot"/>
+      </p:par>
+    </p:tnLst>
+  </p:timing>
+</p:sld>
+</file>
+
+<file path=ppt/slides/slide5.xml><?xml version="1.0" encoding="utf-8"?>
 <p:sld xmlns:a="http://schemas.openxmlformats.org/drawingml/2006/main" xmlns:r="http://schemas.openxmlformats.org/officeDocument/2006/relationships" xmlns:p="http://schemas.openxmlformats.org/presentationml/2006/main">
   <p:cSld>
     <p:spTree>
@@ -20558,7 +20128,7 @@
 </p:sld>
 </file>
 
-<file path=ppt/slides/slide5.xml><?xml version="1.0" encoding="utf-8"?>
+<file path=ppt/slides/slide6.xml><?xml version="1.0" encoding="utf-8"?>
 <p:sld xmlns:a="http://schemas.openxmlformats.org/drawingml/2006/main" xmlns:r="http://schemas.openxmlformats.org/officeDocument/2006/relationships" xmlns:p="http://schemas.openxmlformats.org/presentationml/2006/main">
   <p:cSld>
     <p:spTree>
@@ -20632,7 +20202,7 @@
 </p:sld>
 </file>
 
-<file path=ppt/slides/slide6.xml><?xml version="1.0" encoding="utf-8"?>
+<file path=ppt/slides/slide7.xml><?xml version="1.0" encoding="utf-8"?>
 <p:sld xmlns:a="http://schemas.openxmlformats.org/drawingml/2006/main" xmlns:r="http://schemas.openxmlformats.org/officeDocument/2006/relationships" xmlns:p="http://schemas.openxmlformats.org/presentationml/2006/main">
   <p:cSld>
     <p:spTree>
@@ -20726,7 +20296,7 @@
 </p:sld>
 </file>
 
-<file path=ppt/slides/slide7.xml><?xml version="1.0" encoding="utf-8"?>
+<file path=ppt/slides/slide8.xml><?xml version="1.0" encoding="utf-8"?>
 <p:sld xmlns:a="http://schemas.openxmlformats.org/drawingml/2006/main" xmlns:r="http://schemas.openxmlformats.org/officeDocument/2006/relationships" xmlns:p="http://schemas.openxmlformats.org/presentationml/2006/main">
   <p:cSld>
     <p:spTree>
@@ -20820,7 +20390,7 @@
 </p:sld>
 </file>
 
-<file path=ppt/slides/slide8.xml><?xml version="1.0" encoding="utf-8"?>
+<file path=ppt/slides/slide9.xml><?xml version="1.0" encoding="utf-8"?>
 <p:sld xmlns:a="http://schemas.openxmlformats.org/drawingml/2006/main" xmlns:r="http://schemas.openxmlformats.org/officeDocument/2006/relationships" xmlns:p="http://schemas.openxmlformats.org/presentationml/2006/main">
   <p:cSld>
     <p:spTree>
@@ -20890,151 +20460,6 @@
     <p:extLst>
       <p:ext uri="{BB962C8B-B14F-4D97-AF65-F5344CB8AC3E}">
         <p14:creationId xmlns:p14="http://schemas.microsoft.com/office/powerpoint/2010/main" val="3114404807"/>
-      </p:ext>
-    </p:extLst>
-  </p:cSld>
-  <p:clrMapOvr>
-    <a:masterClrMapping/>
-  </p:clrMapOvr>
-  <mc:AlternateContent xmlns:mc="http://schemas.openxmlformats.org/markup-compatibility/2006" xmlns:p14="http://schemas.microsoft.com/office/powerpoint/2010/main">
-    <mc:Choice Requires="p14">
-      <p:transition spd="slow" p14:dur="2000" advClick="0"/>
-    </mc:Choice>
-    <mc:Fallback xmlns="">
-      <p:transition spd="slow" advClick="0"/>
-    </mc:Fallback>
-  </mc:AlternateContent>
-  <p:timing>
-    <p:tnLst>
-      <p:par>
-        <p:cTn id="1" dur="indefinite" restart="never" nodeType="tmRoot"/>
-      </p:par>
-    </p:tnLst>
-  </p:timing>
-</p:sld>
-</file>
-
-<file path=ppt/slides/slide9.xml><?xml version="1.0" encoding="utf-8"?>
-<p:sld xmlns:a="http://schemas.openxmlformats.org/drawingml/2006/main" xmlns:r="http://schemas.openxmlformats.org/officeDocument/2006/relationships" xmlns:p="http://schemas.openxmlformats.org/presentationml/2006/main">
-  <p:cSld>
-    <p:spTree>
-      <p:nvGrpSpPr>
-        <p:cNvPr id="1" name=""/>
-        <p:cNvGrpSpPr/>
-        <p:nvPr/>
-      </p:nvGrpSpPr>
-      <p:grpSpPr>
-        <a:xfrm>
-          <a:off x="0" y="0"/>
-          <a:ext cx="0" cy="0"/>
-          <a:chOff x="0" y="0"/>
-          <a:chExt cx="0" cy="0"/>
-        </a:xfrm>
-      </p:grpSpPr>
-      <p:sp>
-        <p:nvSpPr>
-          <p:cNvPr id="2" name="Content Placeholder 1"/>
-          <p:cNvSpPr>
-            <a:spLocks noGrp="1"/>
-          </p:cNvSpPr>
-          <p:nvPr>
-            <p:ph sz="quarter" idx="15"/>
-          </p:nvPr>
-        </p:nvSpPr>
-        <p:spPr>
-          <a:xfrm>
-            <a:off x="1153550" y="1800666"/>
-            <a:ext cx="10072467" cy="4768946"/>
-          </a:xfrm>
-        </p:spPr>
-        <p:txBody>
-          <a:bodyPr>
-            <a:normAutofit/>
-          </a:bodyPr>
-          <a:lstStyle/>
-          <a:p>
-            <a:r>
-              <a:rPr lang="en-US" sz="4000" i="1" dirty="0" smtClean="0"/>
-              <a:t>“Things having identities and virtual personalities operating in smart spaces using intelligent interfaces to connect and communicate within social, environmental, and other user contexts.”</a:t>
-            </a:r>
-          </a:p>
-          <a:p>
-            <a:pPr algn="r"/>
-            <a:endParaRPr lang="en-US" sz="2000" i="1" dirty="0" smtClean="0"/>
-          </a:p>
-          <a:p>
-            <a:pPr algn="r"/>
-            <a:r>
-              <a:rPr lang="en-US" sz="2000" i="1" dirty="0" smtClean="0"/>
-              <a:t>“Internet of Things in 2020: A Roadmap for the Future”</a:t>
-            </a:r>
-          </a:p>
-          <a:p>
-            <a:pPr algn="r"/>
-            <a:r>
-              <a:rPr lang="en-US" sz="2000" dirty="0" smtClean="0"/>
-              <a:t>European Technology Platform on Smart Systems Integration (</a:t>
-            </a:r>
-            <a:r>
-              <a:rPr lang="en-US" sz="2000" dirty="0" err="1" smtClean="0"/>
-              <a:t>EPoSS</a:t>
-            </a:r>
-            <a:r>
-              <a:rPr lang="en-US" sz="2000" dirty="0" smtClean="0"/>
-              <a:t>)</a:t>
-            </a:r>
-          </a:p>
-          <a:p>
-            <a:pPr algn="r"/>
-            <a:r>
-              <a:rPr lang="en-US" sz="2000" dirty="0" smtClean="0">
-                <a:hlinkClick r:id="rId3"/>
-              </a:rPr>
-              <a:t>http://www.smart-systems-integration.org</a:t>
-            </a:r>
-            <a:endParaRPr lang="en-US" sz="2000" dirty="0" smtClean="0"/>
-          </a:p>
-          <a:p>
-            <a:pPr algn="r"/>
-            <a:endParaRPr lang="en-US" sz="2000" dirty="0"/>
-          </a:p>
-        </p:txBody>
-      </p:sp>
-      <p:sp>
-        <p:nvSpPr>
-          <p:cNvPr id="3" name="Text Placeholder 2"/>
-          <p:cNvSpPr>
-            <a:spLocks noGrp="1"/>
-          </p:cNvSpPr>
-          <p:nvPr>
-            <p:ph type="body" sz="quarter" idx="28"/>
-          </p:nvPr>
-        </p:nvSpPr>
-        <p:spPr/>
-        <p:txBody>
-          <a:bodyPr/>
-          <a:lstStyle/>
-          <a:p>
-            <a:r>
-              <a:rPr lang="en-US" dirty="0" smtClean="0"/>
-              <a:t>What is </a:t>
-            </a:r>
-            <a:r>
-              <a:rPr lang="en-US" dirty="0" err="1" smtClean="0"/>
-              <a:t>IoT</a:t>
-            </a:r>
-            <a:r>
-              <a:rPr lang="en-US" dirty="0" smtClean="0"/>
-              <a:t>?</a:t>
-            </a:r>
-            <a:endParaRPr lang="en-US" dirty="0"/>
-          </a:p>
-        </p:txBody>
-      </p:sp>
-    </p:spTree>
-    <p:extLst>
-      <p:ext uri="{BB962C8B-B14F-4D97-AF65-F5344CB8AC3E}">
-        <p14:creationId xmlns:p14="http://schemas.microsoft.com/office/powerpoint/2010/main" val="2961714495"/>
       </p:ext>
     </p:extLst>
   </p:cSld>
@@ -21783,15 +21208,6 @@
 </file>
 
 <file path=customXml/item1.xml><?xml version="1.0" encoding="utf-8"?>
-<?mso-contentType ?>
-<FormTemplates xmlns="http://schemas.microsoft.com/sharepoint/v3/contenttype/forms">
-  <Display>DocumentLibraryForm</Display>
-  <Edit>DocumentLibraryForm</Edit>
-  <New>DocumentLibraryForm</New>
-</FormTemplates>
-</file>
-
-<file path=customXml/item2.xml><?xml version="1.0" encoding="utf-8"?>
 <ct:contentTypeSchema xmlns:ct="http://schemas.microsoft.com/office/2006/metadata/contentType" xmlns:ma="http://schemas.microsoft.com/office/2006/metadata/properties/metaAttributes" ct:_="" ma:_="" ma:contentTypeName="Document" ma:contentTypeID="0x0101008F5D289A73ACA946A98E359C5D7D744A" ma:contentTypeVersion="0" ma:contentTypeDescription="Create a new document." ma:contentTypeScope="" ma:versionID="c0c87ff6efd44868173d4e25b5ff5afd">
   <xsd:schema xmlns:xsd="http://www.w3.org/2001/XMLSchema" xmlns:xs="http://www.w3.org/2001/XMLSchema" xmlns:p="http://schemas.microsoft.com/office/2006/metadata/properties" targetNamespace="http://schemas.microsoft.com/office/2006/metadata/properties" ma:root="true" ma:fieldsID="1b05d82d297216baf5b26c55225140df">
     <xsd:element name="properties">
@@ -21905,6 +21321,15 @@
 </ct:contentTypeSchema>
 </file>
 
+<file path=customXml/item2.xml><?xml version="1.0" encoding="utf-8"?>
+<?mso-contentType ?>
+<FormTemplates xmlns="http://schemas.microsoft.com/sharepoint/v3/contenttype/forms">
+  <Display>DocumentLibraryForm</Display>
+  <Edit>DocumentLibraryForm</Edit>
+  <New>DocumentLibraryForm</New>
+</FormTemplates>
+</file>
+
 <file path=customXml/item3.xml><?xml version="1.0" encoding="utf-8"?>
 <p:properties xmlns:p="http://schemas.microsoft.com/office/2006/metadata/properties" xmlns:xsi="http://www.w3.org/2001/XMLSchema-instance" xmlns:pc="http://schemas.microsoft.com/office/infopath/2007/PartnerControls">
   <documentManagement/>
@@ -21912,14 +21337,6 @@
 </file>
 
 <file path=customXml/itemProps1.xml><?xml version="1.0" encoding="utf-8"?>
-<ds:datastoreItem xmlns:ds="http://schemas.openxmlformats.org/officeDocument/2006/customXml" ds:itemID="{40C6F769-85BB-44F9-B6C5-98E9026C84A2}">
-  <ds:schemaRefs>
-    <ds:schemaRef ds:uri="http://schemas.microsoft.com/sharepoint/v3/contenttype/forms"/>
-  </ds:schemaRefs>
-</ds:datastoreItem>
-</file>
-
-<file path=customXml/itemProps2.xml><?xml version="1.0" encoding="utf-8"?>
 <ds:datastoreItem xmlns:ds="http://schemas.openxmlformats.org/officeDocument/2006/customXml" ds:itemID="{68A3732E-BBCB-48F9-A27F-A62596C1832C}">
   <ds:schemaRefs>
     <ds:schemaRef ds:uri="http://schemas.microsoft.com/office/2006/metadata/contentType"/>
@@ -21931,6 +21348,14 @@
     <ds:schemaRef ds:uri="http://purl.org/dc/terms/"/>
     <ds:schemaRef ds:uri="http://schemas.microsoft.com/internal/obd"/>
     <ds:schemaRef ds:uri="http://schemas.microsoft.com/office/infopath/2007/PartnerControls"/>
+  </ds:schemaRefs>
+</ds:datastoreItem>
+</file>
+
+<file path=customXml/itemProps2.xml><?xml version="1.0" encoding="utf-8"?>
+<ds:datastoreItem xmlns:ds="http://schemas.openxmlformats.org/officeDocument/2006/customXml" ds:itemID="{40C6F769-85BB-44F9-B6C5-98E9026C84A2}">
+  <ds:schemaRefs>
+    <ds:schemaRef ds:uri="http://schemas.microsoft.com/sharepoint/v3/contenttype/forms"/>
   </ds:schemaRefs>
 </ds:datastoreItem>
 </file>
